--- a/etcd_slides/Etcd.pptx
+++ b/etcd_slides/Etcd.pptx
@@ -287,7 +287,7 @@
           <a:p>
             <a:fld id="{270C8766-8948-4975-B288-62CFAC03A0C0}" type="datetimeFigureOut">
               <a:rPr lang="en-US" smtClean="0"/>
-              <a:t>7/14/2015</a:t>
+              <a:t>7/15/2015</a:t>
             </a:fld>
             <a:endParaRPr lang="en-US"/>
           </a:p>
@@ -599,6 +599,178 @@
           <a:bodyPr/>
           <a:lstStyle/>
           <a:p>
+            <a:r>
+              <a:rPr lang="zh-CN" altLang="en-US" dirty="0" smtClean="0"/>
+              <a:t>选择稳定版本</a:t>
+            </a:r>
+            <a:endParaRPr lang="en-US" dirty="0"/>
+          </a:p>
+        </p:txBody>
+      </p:sp>
+      <p:sp>
+        <p:nvSpPr>
+          <p:cNvPr id="4" name="Slide Number Placeholder 3"/>
+          <p:cNvSpPr>
+            <a:spLocks noGrp="1"/>
+          </p:cNvSpPr>
+          <p:nvPr>
+            <p:ph type="sldNum" sz="quarter" idx="10"/>
+          </p:nvPr>
+        </p:nvSpPr>
+        <p:spPr/>
+        <p:txBody>
+          <a:bodyPr/>
+          <a:lstStyle/>
+          <a:p>
+            <a:fld id="{6DDF5685-9BA5-44DF-B1D8-07D32A1DF2D2}" type="slidenum">
+              <a:rPr lang="en-US" smtClean="0"/>
+              <a:t>3</a:t>
+            </a:fld>
+            <a:endParaRPr lang="en-US"/>
+          </a:p>
+        </p:txBody>
+      </p:sp>
+    </p:spTree>
+    <p:extLst>
+      <p:ext uri="{BB962C8B-B14F-4D97-AF65-F5344CB8AC3E}">
+        <p14:creationId xmlns:p14="http://schemas.microsoft.com/office/powerpoint/2010/main" val="3609739280"/>
+      </p:ext>
+    </p:extLst>
+  </p:cSld>
+  <p:clrMapOvr>
+    <a:masterClrMapping/>
+  </p:clrMapOvr>
+</p:notes>
+</file>
+
+<file path=ppt/notesSlides/notesSlide2.xml><?xml version="1.0" encoding="utf-8"?>
+<p:notes xmlns:a="http://schemas.openxmlformats.org/drawingml/2006/main" xmlns:r="http://schemas.openxmlformats.org/officeDocument/2006/relationships" xmlns:p="http://schemas.openxmlformats.org/presentationml/2006/main">
+  <p:cSld>
+    <p:spTree>
+      <p:nvGrpSpPr>
+        <p:cNvPr id="1" name=""/>
+        <p:cNvGrpSpPr/>
+        <p:nvPr/>
+      </p:nvGrpSpPr>
+      <p:grpSpPr>
+        <a:xfrm>
+          <a:off x="0" y="0"/>
+          <a:ext cx="0" cy="0"/>
+          <a:chOff x="0" y="0"/>
+          <a:chExt cx="0" cy="0"/>
+        </a:xfrm>
+      </p:grpSpPr>
+      <p:sp>
+        <p:nvSpPr>
+          <p:cNvPr id="2" name="Slide Image Placeholder 1"/>
+          <p:cNvSpPr>
+            <a:spLocks noGrp="1" noRot="1" noChangeAspect="1"/>
+          </p:cNvSpPr>
+          <p:nvPr>
+            <p:ph type="sldImg"/>
+          </p:nvPr>
+        </p:nvSpPr>
+        <p:spPr/>
+      </p:sp>
+      <p:sp>
+        <p:nvSpPr>
+          <p:cNvPr id="3" name="Notes Placeholder 2"/>
+          <p:cNvSpPr>
+            <a:spLocks noGrp="1"/>
+          </p:cNvSpPr>
+          <p:nvPr>
+            <p:ph type="body" idx="1"/>
+          </p:nvPr>
+        </p:nvSpPr>
+        <p:spPr/>
+        <p:txBody>
+          <a:bodyPr/>
+          <a:lstStyle/>
+          <a:p>
+            <a:endParaRPr lang="en-US" dirty="0"/>
+          </a:p>
+        </p:txBody>
+      </p:sp>
+      <p:sp>
+        <p:nvSpPr>
+          <p:cNvPr id="4" name="Slide Number Placeholder 3"/>
+          <p:cNvSpPr>
+            <a:spLocks noGrp="1"/>
+          </p:cNvSpPr>
+          <p:nvPr>
+            <p:ph type="sldNum" sz="quarter" idx="10"/>
+          </p:nvPr>
+        </p:nvSpPr>
+        <p:spPr/>
+        <p:txBody>
+          <a:bodyPr/>
+          <a:lstStyle/>
+          <a:p>
+            <a:fld id="{6DDF5685-9BA5-44DF-B1D8-07D32A1DF2D2}" type="slidenum">
+              <a:rPr lang="en-US" smtClean="0"/>
+              <a:t>4</a:t>
+            </a:fld>
+            <a:endParaRPr lang="en-US"/>
+          </a:p>
+        </p:txBody>
+      </p:sp>
+    </p:spTree>
+    <p:extLst>
+      <p:ext uri="{BB962C8B-B14F-4D97-AF65-F5344CB8AC3E}">
+        <p14:creationId xmlns:p14="http://schemas.microsoft.com/office/powerpoint/2010/main" val="141221155"/>
+      </p:ext>
+    </p:extLst>
+  </p:cSld>
+  <p:clrMapOvr>
+    <a:masterClrMapping/>
+  </p:clrMapOvr>
+</p:notes>
+</file>
+
+<file path=ppt/notesSlides/notesSlide3.xml><?xml version="1.0" encoding="utf-8"?>
+<p:notes xmlns:a="http://schemas.openxmlformats.org/drawingml/2006/main" xmlns:r="http://schemas.openxmlformats.org/officeDocument/2006/relationships" xmlns:p="http://schemas.openxmlformats.org/presentationml/2006/main">
+  <p:cSld>
+    <p:spTree>
+      <p:nvGrpSpPr>
+        <p:cNvPr id="1" name=""/>
+        <p:cNvGrpSpPr/>
+        <p:nvPr/>
+      </p:nvGrpSpPr>
+      <p:grpSpPr>
+        <a:xfrm>
+          <a:off x="0" y="0"/>
+          <a:ext cx="0" cy="0"/>
+          <a:chOff x="0" y="0"/>
+          <a:chExt cx="0" cy="0"/>
+        </a:xfrm>
+      </p:grpSpPr>
+      <p:sp>
+        <p:nvSpPr>
+          <p:cNvPr id="2" name="Slide Image Placeholder 1"/>
+          <p:cNvSpPr>
+            <a:spLocks noGrp="1" noRot="1" noChangeAspect="1"/>
+          </p:cNvSpPr>
+          <p:nvPr>
+            <p:ph type="sldImg"/>
+          </p:nvPr>
+        </p:nvSpPr>
+        <p:spPr/>
+      </p:sp>
+      <p:sp>
+        <p:nvSpPr>
+          <p:cNvPr id="3" name="Notes Placeholder 2"/>
+          <p:cNvSpPr>
+            <a:spLocks noGrp="1"/>
+          </p:cNvSpPr>
+          <p:nvPr>
+            <p:ph type="body" idx="1"/>
+          </p:nvPr>
+        </p:nvSpPr>
+        <p:spPr/>
+        <p:txBody>
+          <a:bodyPr/>
+          <a:lstStyle/>
+          <a:p>
             <a:endParaRPr lang="en-US" dirty="0"/>
           </a:p>
         </p:txBody>
@@ -639,7 +811,7 @@
 </p:notes>
 </file>
 
-<file path=ppt/notesSlides/notesSlide2.xml><?xml version="1.0" encoding="utf-8"?>
+<file path=ppt/notesSlides/notesSlide4.xml><?xml version="1.0" encoding="utf-8"?>
 <p:notes xmlns:a="http://schemas.openxmlformats.org/drawingml/2006/main" xmlns:r="http://schemas.openxmlformats.org/officeDocument/2006/relationships" xmlns:p="http://schemas.openxmlformats.org/presentationml/2006/main">
   <p:cSld>
     <p:spTree>
@@ -798,7 +970,7 @@
           <a:p>
             <a:fld id="{CCD760FA-07EE-4BA0-ADB1-F73A6F25DC1C}" type="datetimeFigureOut">
               <a:rPr lang="zh-CN" altLang="en-US" smtClean="0"/>
-              <a:t>2015/7/14</a:t>
+              <a:t>2015/7/15</a:t>
             </a:fld>
             <a:endParaRPr lang="zh-CN" altLang="en-US"/>
           </a:p>
@@ -1114,7 +1286,7 @@
           <a:p>
             <a:fld id="{CCD760FA-07EE-4BA0-ADB1-F73A6F25DC1C}" type="datetimeFigureOut">
               <a:rPr lang="zh-CN" altLang="en-US" smtClean="0"/>
-              <a:t>2015/7/14</a:t>
+              <a:t>2015/7/15</a:t>
             </a:fld>
             <a:endParaRPr lang="zh-CN" altLang="en-US"/>
           </a:p>
@@ -1289,7 +1461,7 @@
           <a:p>
             <a:fld id="{CCD760FA-07EE-4BA0-ADB1-F73A6F25DC1C}" type="datetimeFigureOut">
               <a:rPr lang="zh-CN" altLang="en-US" smtClean="0"/>
-              <a:t>2015/7/14</a:t>
+              <a:t>2015/7/15</a:t>
             </a:fld>
             <a:endParaRPr lang="zh-CN" altLang="en-US"/>
           </a:p>
@@ -1407,7 +1579,7 @@
           <a:p>
             <a:fld id="{CCD760FA-07EE-4BA0-ADB1-F73A6F25DC1C}" type="datetimeFigureOut">
               <a:rPr lang="zh-CN" altLang="en-US" smtClean="0"/>
-              <a:t>2015/7/14</a:t>
+              <a:t>2015/7/15</a:t>
             </a:fld>
             <a:endParaRPr lang="zh-CN" altLang="en-US"/>
           </a:p>
@@ -1705,7 +1877,7 @@
           <a:p>
             <a:fld id="{CCD760FA-07EE-4BA0-ADB1-F73A6F25DC1C}" type="datetimeFigureOut">
               <a:rPr lang="zh-CN" altLang="en-US" smtClean="0"/>
-              <a:t>2015/7/14</a:t>
+              <a:t>2015/7/15</a:t>
             </a:fld>
             <a:endParaRPr lang="zh-CN" altLang="en-US"/>
           </a:p>
@@ -1998,7 +2170,7 @@
           <a:p>
             <a:fld id="{CCD760FA-07EE-4BA0-ADB1-F73A6F25DC1C}" type="datetimeFigureOut">
               <a:rPr lang="zh-CN" altLang="en-US" smtClean="0"/>
-              <a:t>2015/7/14</a:t>
+              <a:t>2015/7/15</a:t>
             </a:fld>
             <a:endParaRPr lang="zh-CN" altLang="en-US"/>
           </a:p>
@@ -2426,7 +2598,7 @@
           <a:p>
             <a:fld id="{CCD760FA-07EE-4BA0-ADB1-F73A6F25DC1C}" type="datetimeFigureOut">
               <a:rPr lang="zh-CN" altLang="en-US" smtClean="0"/>
-              <a:t>2015/7/14</a:t>
+              <a:t>2015/7/15</a:t>
             </a:fld>
             <a:endParaRPr lang="zh-CN" altLang="en-US"/>
           </a:p>
@@ -2544,7 +2716,7 @@
           <a:p>
             <a:fld id="{CCD760FA-07EE-4BA0-ADB1-F73A6F25DC1C}" type="datetimeFigureOut">
               <a:rPr lang="zh-CN" altLang="en-US" smtClean="0"/>
-              <a:t>2015/7/14</a:t>
+              <a:t>2015/7/15</a:t>
             </a:fld>
             <a:endParaRPr lang="zh-CN" altLang="en-US"/>
           </a:p>
@@ -2634,7 +2806,7 @@
           <a:p>
             <a:fld id="{CCD760FA-07EE-4BA0-ADB1-F73A6F25DC1C}" type="datetimeFigureOut">
               <a:rPr lang="zh-CN" altLang="en-US" smtClean="0"/>
-              <a:t>2015/7/14</a:t>
+              <a:t>2015/7/15</a:t>
             </a:fld>
             <a:endParaRPr lang="zh-CN" altLang="en-US"/>
           </a:p>
@@ -2884,7 +3056,7 @@
           <a:p>
             <a:fld id="{CCD760FA-07EE-4BA0-ADB1-F73A6F25DC1C}" type="datetimeFigureOut">
               <a:rPr lang="zh-CN" altLang="en-US" smtClean="0"/>
-              <a:t>2015/7/14</a:t>
+              <a:t>2015/7/15</a:t>
             </a:fld>
             <a:endParaRPr lang="zh-CN" altLang="en-US"/>
           </a:p>
@@ -3400,7 +3572,7 @@
           <a:p>
             <a:fld id="{CCD760FA-07EE-4BA0-ADB1-F73A6F25DC1C}" type="datetimeFigureOut">
               <a:rPr lang="zh-CN" altLang="en-US" smtClean="0"/>
-              <a:t>2015/7/14</a:t>
+              <a:t>2015/7/15</a:t>
             </a:fld>
             <a:endParaRPr lang="zh-CN" altLang="en-US"/>
           </a:p>
@@ -3630,7 +3802,7 @@
           <a:p>
             <a:fld id="{CCD760FA-07EE-4BA0-ADB1-F73A6F25DC1C}" type="datetimeFigureOut">
               <a:rPr lang="zh-CN" altLang="en-US" smtClean="0"/>
-              <a:t>2015/7/14</a:t>
+              <a:t>2015/7/15</a:t>
             </a:fld>
             <a:endParaRPr lang="zh-CN" altLang="en-US"/>
           </a:p>
@@ -4607,8 +4779,25 @@
             </a:r>
             <a:r>
               <a:rPr lang="en-US" altLang="zh-CN" dirty="0" smtClean="0"/>
+              <a:t>term</a:t>
+            </a:r>
+            <a:r>
+              <a:rPr lang="en-US" altLang="zh-CN" dirty="0" smtClean="0"/>
+              <a:t>++ </a:t>
+            </a:r>
+            <a:r>
+              <a:rPr lang="zh-CN" altLang="en-US" dirty="0" smtClean="0"/>
+              <a:t>（或最近一次收到拉票请求的</a:t>
+            </a:r>
+            <a:r>
+              <a:rPr lang="en-US" altLang="zh-CN" dirty="0" smtClean="0"/>
               <a:t>term++</a:t>
             </a:r>
+            <a:r>
+              <a:rPr lang="zh-CN" altLang="en-US" dirty="0" smtClean="0"/>
+              <a:t>）</a:t>
+            </a:r>
+            <a:endParaRPr lang="en-US" altLang="zh-CN" dirty="0" smtClean="0"/>
           </a:p>
           <a:p>
             <a:pPr marL="800100" lvl="1" indent="-342900">
@@ -4730,8 +4919,19 @@
             </a:r>
             <a:r>
               <a:rPr lang="en-US" altLang="zh-CN" dirty="0" smtClean="0"/>
-              <a:t>term++</a:t>
-            </a:r>
+              <a:t>term</a:t>
+            </a:r>
+            <a:r>
+              <a:rPr lang="en-US" altLang="zh-CN" dirty="0" smtClean="0"/>
+              <a:t>++</a:t>
+            </a:r>
+            <a:endParaRPr lang="en-US" altLang="zh-CN" dirty="0"/>
+          </a:p>
+          <a:p>
+            <a:pPr marL="857250" lvl="2" indent="0">
+              <a:buNone/>
+            </a:pPr>
+            <a:endParaRPr lang="en-US" altLang="zh-CN" dirty="0" smtClean="0"/>
           </a:p>
         </p:txBody>
       </p:sp>
@@ -4995,122 +5195,124 @@
         </p:nvSpPr>
         <p:spPr/>
         <p:txBody>
-          <a:bodyPr/>
+          <a:bodyPr>
+            <a:normAutofit/>
+          </a:bodyPr>
           <a:lstStyle/>
           <a:p>
             <a:r>
-              <a:rPr lang="zh-CN" altLang="en-US" dirty="0" smtClean="0"/>
+              <a:rPr lang="zh-CN" altLang="en-US" sz="2000" dirty="0" smtClean="0"/>
               <a:t>选</a:t>
             </a:r>
             <a:r>
-              <a:rPr lang="en-US" altLang="zh-CN" dirty="0" smtClean="0"/>
+              <a:rPr lang="en-US" altLang="zh-CN" sz="2000" dirty="0" smtClean="0"/>
               <a:t>leader</a:t>
             </a:r>
             <a:r>
-              <a:rPr lang="zh-CN" altLang="en-US" dirty="0" smtClean="0"/>
+              <a:rPr lang="zh-CN" altLang="en-US" sz="2000" dirty="0" smtClean="0"/>
               <a:t>的约束：</a:t>
             </a:r>
-            <a:endParaRPr lang="en-US" altLang="zh-CN" dirty="0" smtClean="0"/>
+            <a:endParaRPr lang="en-US" altLang="zh-CN" sz="2000" dirty="0" smtClean="0"/>
           </a:p>
           <a:p>
             <a:pPr lvl="1"/>
             <a:r>
-              <a:rPr lang="en-US" altLang="zh-CN" dirty="0" smtClean="0"/>
+              <a:rPr lang="en-US" altLang="zh-CN" sz="2000" dirty="0" smtClean="0"/>
               <a:t>1. Candidates</a:t>
             </a:r>
             <a:r>
-              <a:rPr lang="zh-CN" altLang="en-US" dirty="0" smtClean="0"/>
+              <a:rPr lang="zh-CN" altLang="en-US" sz="2000" dirty="0" smtClean="0"/>
               <a:t>拉票时带上最后一条</a:t>
             </a:r>
             <a:r>
-              <a:rPr lang="en-US" altLang="zh-CN" dirty="0" smtClean="0"/>
+              <a:rPr lang="en-US" altLang="zh-CN" sz="2000" dirty="0" smtClean="0"/>
               <a:t>log entry</a:t>
             </a:r>
             <a:r>
-              <a:rPr lang="zh-CN" altLang="en-US" dirty="0" smtClean="0"/>
+              <a:rPr lang="zh-CN" altLang="en-US" sz="2000" dirty="0" smtClean="0"/>
               <a:t>的</a:t>
             </a:r>
             <a:r>
-              <a:rPr lang="en-US" altLang="zh-CN" dirty="0" smtClean="0"/>
+              <a:rPr lang="en-US" altLang="zh-CN" sz="2000" dirty="0" smtClean="0"/>
               <a:t>index</a:t>
             </a:r>
             <a:r>
-              <a:rPr lang="zh-CN" altLang="en-US" dirty="0" smtClean="0"/>
+              <a:rPr lang="zh-CN" altLang="en-US" sz="2000" dirty="0" smtClean="0"/>
               <a:t>和</a:t>
             </a:r>
             <a:r>
-              <a:rPr lang="en-US" altLang="zh-CN" dirty="0" smtClean="0"/>
+              <a:rPr lang="en-US" altLang="zh-CN" sz="2000" dirty="0" smtClean="0"/>
               <a:t>term</a:t>
             </a:r>
             <a:r>
-              <a:rPr lang="zh-CN" altLang="en-US" dirty="0" smtClean="0"/>
+              <a:rPr lang="zh-CN" altLang="en-US" sz="2000" dirty="0" smtClean="0"/>
               <a:t>信息</a:t>
             </a:r>
-            <a:endParaRPr lang="en-US" altLang="zh-CN" dirty="0" smtClean="0"/>
+            <a:endParaRPr lang="en-US" altLang="zh-CN" sz="2000" dirty="0" smtClean="0"/>
           </a:p>
           <a:p>
             <a:pPr lvl="1"/>
             <a:r>
-              <a:rPr lang="en-US" altLang="zh-CN" dirty="0" smtClean="0"/>
+              <a:rPr lang="en-US" altLang="zh-CN" sz="2000" dirty="0" smtClean="0"/>
               <a:t>2. Follower</a:t>
             </a:r>
             <a:r>
-              <a:rPr lang="zh-CN" altLang="en-US" dirty="0" smtClean="0"/>
+              <a:rPr lang="zh-CN" altLang="en-US" sz="2000" dirty="0" smtClean="0"/>
               <a:t>投票时检查</a:t>
             </a:r>
             <a:r>
-              <a:rPr lang="en-US" altLang="zh-CN" dirty="0" smtClean="0"/>
+              <a:rPr lang="en-US" altLang="zh-CN" sz="2000" dirty="0" smtClean="0"/>
               <a:t>candidate</a:t>
             </a:r>
             <a:r>
-              <a:rPr lang="zh-CN" altLang="en-US" dirty="0" smtClean="0"/>
+              <a:rPr lang="zh-CN" altLang="en-US" sz="2000" dirty="0" smtClean="0"/>
               <a:t>的</a:t>
             </a:r>
             <a:r>
-              <a:rPr lang="en-US" altLang="zh-CN" dirty="0" smtClean="0"/>
+              <a:rPr lang="en-US" altLang="zh-CN" sz="2000" dirty="0" smtClean="0"/>
               <a:t>log entry</a:t>
             </a:r>
             <a:r>
-              <a:rPr lang="zh-CN" altLang="en-US" dirty="0" smtClean="0"/>
+              <a:rPr lang="zh-CN" altLang="en-US" sz="2000" dirty="0" smtClean="0"/>
               <a:t>的</a:t>
             </a:r>
             <a:r>
-              <a:rPr lang="en-US" altLang="zh-CN" dirty="0" smtClean="0"/>
+              <a:rPr lang="en-US" altLang="zh-CN" sz="2000" dirty="0" smtClean="0"/>
               <a:t>index</a:t>
             </a:r>
             <a:r>
-              <a:rPr lang="zh-CN" altLang="en-US" dirty="0" smtClean="0"/>
+              <a:rPr lang="zh-CN" altLang="en-US" sz="2000" dirty="0" smtClean="0"/>
               <a:t>和</a:t>
             </a:r>
             <a:r>
-              <a:rPr lang="en-US" altLang="zh-CN" dirty="0" smtClean="0"/>
+              <a:rPr lang="en-US" altLang="zh-CN" sz="2000" dirty="0" smtClean="0"/>
               <a:t>term</a:t>
             </a:r>
             <a:r>
-              <a:rPr lang="zh-CN" altLang="en-US" dirty="0" smtClean="0"/>
+              <a:rPr lang="zh-CN" altLang="en-US" sz="2000" dirty="0" smtClean="0"/>
               <a:t>都不能比自己的小</a:t>
             </a:r>
-            <a:endParaRPr lang="en-US" altLang="zh-CN" dirty="0" smtClean="0"/>
+            <a:endParaRPr lang="en-US" altLang="zh-CN" sz="2000" dirty="0" smtClean="0"/>
           </a:p>
           <a:p>
             <a:pPr lvl="1"/>
-            <a:endParaRPr lang="en-US" altLang="zh-CN" dirty="0" smtClean="0"/>
+            <a:endParaRPr lang="en-US" altLang="zh-CN" sz="2000" dirty="0" smtClean="0"/>
           </a:p>
           <a:p>
             <a:pPr lvl="1"/>
             <a:r>
-              <a:rPr lang="zh-CN" altLang="en-US" dirty="0" smtClean="0"/>
+              <a:rPr lang="zh-CN" altLang="en-US" sz="2000" dirty="0" smtClean="0"/>
               <a:t>目的是使得新选出的</a:t>
             </a:r>
             <a:r>
-              <a:rPr lang="en-US" altLang="zh-CN" dirty="0" smtClean="0"/>
+              <a:rPr lang="en-US" altLang="zh-CN" sz="2000" dirty="0" smtClean="0"/>
               <a:t>leader</a:t>
             </a:r>
             <a:r>
-              <a:rPr lang="zh-CN" altLang="en-US" dirty="0" smtClean="0"/>
+              <a:rPr lang="zh-CN" altLang="en-US" sz="2000" dirty="0" smtClean="0"/>
               <a:t>拥有最全的日志信息</a:t>
             </a:r>
-            <a:endParaRPr lang="en-US" altLang="zh-CN" dirty="0"/>
+            <a:endParaRPr lang="en-US" altLang="zh-CN" sz="2000" dirty="0"/>
           </a:p>
         </p:txBody>
       </p:sp>
@@ -5701,8 +5903,16 @@
           <a:lstStyle/>
           <a:p>
             <a:r>
-              <a:rPr lang="zh-CN" altLang="en-US" dirty="0" smtClean="0"/>
-              <a:t>节点异常：</a:t>
+              <a:rPr lang="en-US" altLang="zh-CN" dirty="0" smtClean="0"/>
+              <a:t>leader</a:t>
+            </a:r>
+            <a:r>
+              <a:rPr lang="zh-CN" altLang="en-US" dirty="0" smtClean="0"/>
+              <a:t>节</a:t>
+            </a:r>
+            <a:r>
+              <a:rPr lang="zh-CN" altLang="en-US" dirty="0" smtClean="0"/>
+              <a:t>点异常：</a:t>
             </a:r>
             <a:endParaRPr lang="en-US" altLang="zh-CN" dirty="0" smtClean="0"/>
           </a:p>
@@ -7060,7 +7270,7 @@
         </p:spPr>
         <p:txBody>
           <a:bodyPr>
-            <a:normAutofit fontScale="92500" lnSpcReduction="10000"/>
+            <a:normAutofit fontScale="92500" lnSpcReduction="20000"/>
           </a:bodyPr>
           <a:lstStyle/>
           <a:p>
@@ -7124,11 +7334,27 @@
           <a:p>
             <a:r>
               <a:rPr lang="zh-CN" altLang="en-US" dirty="0"/>
-              <a:t>客户端看到的行为：</a:t>
-            </a:r>
-            <a:r>
-              <a:rPr lang="en-US" altLang="zh-CN" dirty="0"/>
-              <a:t>set “bob”</a:t>
+              <a:t>客户端看到的行为</a:t>
+            </a:r>
+            <a:r>
+              <a:rPr lang="zh-CN" altLang="en-US" dirty="0" smtClean="0"/>
+              <a:t>：</a:t>
+            </a:r>
+            <a:r>
+              <a:rPr lang="en-US" altLang="zh-CN" dirty="0" smtClean="0"/>
+              <a:t>30s</a:t>
+            </a:r>
+            <a:r>
+              <a:rPr lang="zh-CN" altLang="en-US" dirty="0" smtClean="0"/>
+              <a:t>超时，</a:t>
+            </a:r>
+            <a:r>
+              <a:rPr lang="en-US" altLang="zh-CN" dirty="0" smtClean="0"/>
+              <a:t>set </a:t>
+            </a:r>
+            <a:r>
+              <a:rPr lang="en-US" altLang="zh-CN" dirty="0"/>
+              <a:t>“bob”</a:t>
             </a:r>
             <a:r>
               <a:rPr lang="zh-CN" altLang="en-US" dirty="0"/>
@@ -7193,6 +7419,17 @@
             <a:r>
               <a:rPr lang="zh-CN" altLang="en-US" dirty="0" smtClean="0"/>
               <a:t>。</a:t>
+            </a:r>
+            <a:endParaRPr lang="en-US" altLang="zh-CN" dirty="0" smtClean="0"/>
+          </a:p>
+          <a:p>
+            <a:r>
+              <a:rPr lang="en-US" altLang="zh-CN" dirty="0" smtClean="0"/>
+              <a:t>Client</a:t>
+            </a:r>
+            <a:r>
+              <a:rPr lang="zh-CN" altLang="en-US" dirty="0" smtClean="0"/>
+              <a:t>怎么办？重试</a:t>
             </a:r>
             <a:endParaRPr lang="en-US" altLang="zh-CN" dirty="0" smtClean="0"/>
           </a:p>
@@ -10749,8 +10986,8 @@
               <a:t> </a:t>
             </a:r>
             <a:r>
-              <a:rPr lang="zh-CN" altLang="en-US" dirty="0" smtClean="0"/>
-              <a:t>安装部署</a:t>
+              <a:rPr lang="zh-CN" altLang="en-US" dirty="0"/>
+              <a:t>初体验</a:t>
             </a:r>
             <a:endParaRPr lang="zh-CN" altLang="en-US" dirty="0"/>
           </a:p>
@@ -10793,13 +11030,13 @@
             </a:r>
             <a:r>
               <a:rPr lang="en-US" altLang="zh-CN" dirty="0">
-                <a:hlinkClick r:id="rId2"/>
+                <a:hlinkClick r:id="rId3"/>
               </a:rPr>
               <a:t>https://</a:t>
             </a:r>
             <a:r>
               <a:rPr lang="en-US" altLang="zh-CN" dirty="0" smtClean="0">
-                <a:hlinkClick r:id="rId2"/>
+                <a:hlinkClick r:id="rId3"/>
               </a:rPr>
               <a:t>github.com/coreos/etcd.git</a:t>
             </a:r>
@@ -10830,7 +11067,7 @@
           <p:nvPr/>
         </p:nvPicPr>
         <p:blipFill>
-          <a:blip r:embed="rId3">
+          <a:blip r:embed="rId4">
             <a:extLst>
               <a:ext uri="{28A0092B-C50C-407E-A947-70E740481C1C}">
                 <a14:useLocalDpi xmlns:a14="http://schemas.microsoft.com/office/drawing/2010/main" val="0"/>
@@ -10924,7 +11161,7 @@
           <p:nvPr/>
         </p:nvPicPr>
         <p:blipFill>
-          <a:blip r:embed="rId4">
+          <a:blip r:embed="rId5">
             <a:extLst>
               <a:ext uri="{28A0092B-C50C-407E-A947-70E740481C1C}">
                 <a14:useLocalDpi xmlns:a14="http://schemas.microsoft.com/office/drawing/2010/main" val="0"/>
@@ -13307,7 +13544,19 @@
           <a:p>
             <a:r>
               <a:rPr lang="zh-CN" altLang="en-US" dirty="0" smtClean="0"/>
-              <a:t>快照触发条件：</a:t>
+              <a:t>快照触发条件</a:t>
+            </a:r>
+            <a:r>
+              <a:rPr lang="zh-CN" altLang="en-US" dirty="0" smtClean="0"/>
+              <a:t>：</a:t>
+            </a:r>
+            <a:r>
+              <a:rPr lang="zh-CN" altLang="en-US" dirty="0"/>
+              <a:t>根</a:t>
+            </a:r>
+            <a:r>
+              <a:rPr lang="zh-CN" altLang="en-US" dirty="0" smtClean="0"/>
+              <a:t>据写请求并发量调整</a:t>
             </a:r>
             <a:endParaRPr lang="en-US" altLang="zh-CN" dirty="0" smtClean="0"/>
           </a:p>
@@ -13374,7 +13623,11 @@
             </a:r>
             <a:r>
               <a:rPr lang="zh-CN" altLang="en-US" dirty="0" smtClean="0"/>
-              <a:t> 访问</a:t>
+              <a:t> </a:t>
+            </a:r>
+            <a:r>
+              <a:rPr lang="zh-CN" altLang="en-US" dirty="0"/>
+              <a:t>初体验</a:t>
             </a:r>
             <a:endParaRPr lang="zh-CN" altLang="en-US" dirty="0"/>
           </a:p>
@@ -13557,7 +13810,7 @@
           <p:nvPr/>
         </p:nvPicPr>
         <p:blipFill>
-          <a:blip r:embed="rId2">
+          <a:blip r:embed="rId3">
             <a:extLst>
               <a:ext uri="{28A0092B-C50C-407E-A947-70E740481C1C}">
                 <a14:useLocalDpi xmlns:a14="http://schemas.microsoft.com/office/drawing/2010/main" val="0"/>
@@ -15230,7 +15483,7 @@
             </a:r>
             <a:r>
               <a:rPr lang="zh-CN" altLang="en-US" dirty="0" smtClean="0"/>
-              <a:t>。</a:t>
+              <a:t>。服务发现的需求：</a:t>
             </a:r>
             <a:endParaRPr lang="en-US" altLang="zh-CN" dirty="0" smtClean="0"/>
           </a:p>

--- a/etcd_slides/Etcd.pptx
+++ b/etcd_slides/Etcd.pptx
@@ -5,7 +5,7 @@
     <p:sldMasterId id="2147483744" r:id="rId1"/>
   </p:sldMasterIdLst>
   <p:notesMasterIdLst>
-    <p:notesMasterId r:id="rId45"/>
+    <p:notesMasterId r:id="rId46"/>
   </p:notesMasterIdLst>
   <p:sldIdLst>
     <p:sldId id="256" r:id="rId2"/>
@@ -33,24 +33,25 @@
     <p:sldId id="284" r:id="rId24"/>
     <p:sldId id="315" r:id="rId25"/>
     <p:sldId id="306" r:id="rId26"/>
-    <p:sldId id="273" r:id="rId27"/>
-    <p:sldId id="290" r:id="rId28"/>
-    <p:sldId id="312" r:id="rId29"/>
-    <p:sldId id="313" r:id="rId30"/>
-    <p:sldId id="295" r:id="rId31"/>
-    <p:sldId id="296" r:id="rId32"/>
-    <p:sldId id="297" r:id="rId33"/>
-    <p:sldId id="260" r:id="rId34"/>
-    <p:sldId id="298" r:id="rId35"/>
-    <p:sldId id="314" r:id="rId36"/>
-    <p:sldId id="299" r:id="rId37"/>
-    <p:sldId id="289" r:id="rId38"/>
-    <p:sldId id="300" r:id="rId39"/>
-    <p:sldId id="303" r:id="rId40"/>
-    <p:sldId id="294" r:id="rId41"/>
-    <p:sldId id="309" r:id="rId42"/>
-    <p:sldId id="305" r:id="rId43"/>
-    <p:sldId id="304" r:id="rId44"/>
+    <p:sldId id="317" r:id="rId27"/>
+    <p:sldId id="273" r:id="rId28"/>
+    <p:sldId id="290" r:id="rId29"/>
+    <p:sldId id="312" r:id="rId30"/>
+    <p:sldId id="313" r:id="rId31"/>
+    <p:sldId id="295" r:id="rId32"/>
+    <p:sldId id="296" r:id="rId33"/>
+    <p:sldId id="297" r:id="rId34"/>
+    <p:sldId id="260" r:id="rId35"/>
+    <p:sldId id="298" r:id="rId36"/>
+    <p:sldId id="314" r:id="rId37"/>
+    <p:sldId id="299" r:id="rId38"/>
+    <p:sldId id="289" r:id="rId39"/>
+    <p:sldId id="300" r:id="rId40"/>
+    <p:sldId id="303" r:id="rId41"/>
+    <p:sldId id="294" r:id="rId42"/>
+    <p:sldId id="309" r:id="rId43"/>
+    <p:sldId id="305" r:id="rId44"/>
+    <p:sldId id="304" r:id="rId45"/>
   </p:sldIdLst>
   <p:sldSz cx="9144000" cy="6858000" type="screen4x3"/>
   <p:notesSz cx="6858000" cy="9144000"/>
@@ -179,6 +180,7 @@
             <p14:sldId id="284"/>
             <p14:sldId id="315"/>
             <p14:sldId id="306"/>
+            <p14:sldId id="317"/>
             <p14:sldId id="273"/>
             <p14:sldId id="290"/>
             <p14:sldId id="312"/>
@@ -792,7 +794,7 @@
           <a:p>
             <a:fld id="{6DDF5685-9BA5-44DF-B1D8-07D32A1DF2D2}" type="slidenum">
               <a:rPr lang="en-US" smtClean="0"/>
-              <a:t>40</a:t>
+              <a:t>41</a:t>
             </a:fld>
             <a:endParaRPr lang="en-US"/>
           </a:p>
@@ -892,7 +894,7 @@
           <a:p>
             <a:fld id="{6DDF5685-9BA5-44DF-B1D8-07D32A1DF2D2}" type="slidenum">
               <a:rPr lang="en-US" smtClean="0"/>
-              <a:t>42</a:t>
+              <a:t>43</a:t>
             </a:fld>
             <a:endParaRPr lang="en-US"/>
           </a:p>
@@ -4779,11 +4781,7 @@
             </a:r>
             <a:r>
               <a:rPr lang="en-US" altLang="zh-CN" dirty="0" smtClean="0"/>
-              <a:t>term</a:t>
-            </a:r>
-            <a:r>
-              <a:rPr lang="en-US" altLang="zh-CN" dirty="0" smtClean="0"/>
-              <a:t>++ </a:t>
+              <a:t>term++ </a:t>
             </a:r>
             <a:r>
               <a:rPr lang="zh-CN" altLang="en-US" dirty="0" smtClean="0"/>
@@ -4919,11 +4917,7 @@
             </a:r>
             <a:r>
               <a:rPr lang="en-US" altLang="zh-CN" dirty="0" smtClean="0"/>
-              <a:t>term</a:t>
-            </a:r>
-            <a:r>
-              <a:rPr lang="en-US" altLang="zh-CN" dirty="0" smtClean="0"/>
-              <a:t>++</a:t>
+              <a:t>term++</a:t>
             </a:r>
             <a:endParaRPr lang="en-US" altLang="zh-CN" dirty="0"/>
           </a:p>
@@ -5908,11 +5902,7 @@
             </a:r>
             <a:r>
               <a:rPr lang="zh-CN" altLang="en-US" dirty="0" smtClean="0"/>
-              <a:t>节</a:t>
-            </a:r>
-            <a:r>
-              <a:rPr lang="zh-CN" altLang="en-US" dirty="0" smtClean="0"/>
-              <a:t>点异常：</a:t>
+              <a:t>节点异常：</a:t>
             </a:r>
             <a:endParaRPr lang="en-US" altLang="zh-CN" dirty="0" smtClean="0"/>
           </a:p>
@@ -7270,7 +7260,7 @@
         </p:spPr>
         <p:txBody>
           <a:bodyPr>
-            <a:normAutofit fontScale="92500" lnSpcReduction="20000"/>
+            <a:normAutofit fontScale="85000" lnSpcReduction="20000"/>
           </a:bodyPr>
           <a:lstStyle/>
           <a:p>
@@ -7429,7 +7419,30 @@
             </a:r>
             <a:r>
               <a:rPr lang="zh-CN" altLang="en-US" dirty="0" smtClean="0"/>
-              <a:t>怎么办？重试</a:t>
+              <a:t>怎么办？</a:t>
+            </a:r>
+            <a:r>
+              <a:rPr lang="zh-CN" altLang="en-US" dirty="0" smtClean="0"/>
+              <a:t>重试</a:t>
+            </a:r>
+            <a:endParaRPr lang="en-US" altLang="zh-CN" dirty="0" smtClean="0"/>
+          </a:p>
+          <a:p>
+            <a:r>
+              <a:rPr lang="en-US" altLang="zh-CN" dirty="0" err="1" smtClean="0"/>
+              <a:t>Wirte</a:t>
+            </a:r>
+            <a:r>
+              <a:rPr lang="zh-CN" altLang="en-US" dirty="0" smtClean="0"/>
+              <a:t>到</a:t>
+            </a:r>
+            <a:r>
+              <a:rPr lang="en-US" altLang="zh-CN" dirty="0" smtClean="0"/>
+              <a:t>leader</a:t>
+            </a:r>
+            <a:r>
+              <a:rPr lang="zh-CN" altLang="en-US" dirty="0" smtClean="0"/>
+              <a:t>和其他节点的区别</a:t>
             </a:r>
             <a:endParaRPr lang="en-US" altLang="zh-CN" dirty="0" smtClean="0"/>
           </a:p>
@@ -9924,6 +9937,155 @@
             </a:r>
             <a:r>
               <a:rPr lang="zh-CN" altLang="en-US" dirty="0" smtClean="0"/>
+              <a:t>安全性论证</a:t>
+            </a:r>
+            <a:endParaRPr lang="zh-CN" altLang="en-US" dirty="0"/>
+          </a:p>
+        </p:txBody>
+      </p:sp>
+      <p:sp>
+        <p:nvSpPr>
+          <p:cNvPr id="3" name="内容占位符 2"/>
+          <p:cNvSpPr>
+            <a:spLocks noGrp="1"/>
+          </p:cNvSpPr>
+          <p:nvPr>
+            <p:ph sz="quarter" idx="13"/>
+          </p:nvPr>
+        </p:nvSpPr>
+        <p:spPr/>
+        <p:txBody>
+          <a:bodyPr/>
+          <a:lstStyle/>
+          <a:p>
+            <a:r>
+              <a:rPr lang="zh-CN" altLang="en-US" dirty="0" smtClean="0"/>
+              <a:t>完整性：在一个</a:t>
+            </a:r>
+            <a:r>
+              <a:rPr lang="en-US" altLang="zh-CN" dirty="0" smtClean="0"/>
+              <a:t>leader</a:t>
+            </a:r>
+            <a:r>
+              <a:rPr lang="zh-CN" altLang="en-US" dirty="0" smtClean="0"/>
+              <a:t>的任期内</a:t>
+            </a:r>
+            <a:r>
+              <a:rPr lang="en-US" altLang="zh-CN" dirty="0" smtClean="0"/>
+              <a:t>commit</a:t>
+            </a:r>
+            <a:r>
+              <a:rPr lang="zh-CN" altLang="en-US" dirty="0" smtClean="0"/>
+              <a:t>的记录一定会出现在集群以后的</a:t>
+            </a:r>
+            <a:r>
+              <a:rPr lang="en-US" altLang="zh-CN" dirty="0" smtClean="0"/>
+              <a:t>leader</a:t>
+            </a:r>
+            <a:r>
+              <a:rPr lang="zh-CN" altLang="en-US" dirty="0" smtClean="0"/>
+              <a:t>日志</a:t>
+            </a:r>
+            <a:endParaRPr lang="en-US" altLang="zh-CN" dirty="0" smtClean="0"/>
+          </a:p>
+          <a:p>
+            <a:r>
+              <a:rPr lang="zh-CN" altLang="en-US" dirty="0"/>
+              <a:t>例如，一个跟随者可能会进入不可用状态同时领导人已经提交了若干的日志条目，然后这个跟随者可能会被选举为领导人并且覆盖这些日志条目；因此，不同的状态机可能会执行不同的指令序列</a:t>
+            </a:r>
+            <a:r>
+              <a:rPr lang="zh-CN" altLang="en-US" dirty="0" smtClean="0"/>
+              <a:t>。会这样吗</a:t>
+            </a:r>
+            <a:r>
+              <a:rPr lang="en-US" altLang="zh-CN" dirty="0" smtClean="0"/>
+              <a:t>?</a:t>
+            </a:r>
+            <a:endParaRPr lang="zh-CN" altLang="en-US" dirty="0"/>
+          </a:p>
+        </p:txBody>
+      </p:sp>
+      <p:pic>
+        <p:nvPicPr>
+          <p:cNvPr id="4" name="图片 3"/>
+          <p:cNvPicPr>
+            <a:picLocks noChangeAspect="1"/>
+          </p:cNvPicPr>
+          <p:nvPr/>
+        </p:nvPicPr>
+        <p:blipFill>
+          <a:blip r:embed="rId2">
+            <a:extLst>
+              <a:ext uri="{28A0092B-C50C-407E-A947-70E740481C1C}">
+                <a14:useLocalDpi xmlns:a14="http://schemas.microsoft.com/office/drawing/2010/main" val="0"/>
+              </a:ext>
+            </a:extLst>
+          </a:blip>
+          <a:stretch>
+            <a:fillRect/>
+          </a:stretch>
+        </p:blipFill>
+        <p:spPr>
+          <a:xfrm>
+            <a:off x="1475656" y="3256111"/>
+            <a:ext cx="3816424" cy="1785937"/>
+          </a:xfrm>
+          <a:prstGeom prst="rect">
+            <a:avLst/>
+          </a:prstGeom>
+        </p:spPr>
+      </p:pic>
+    </p:spTree>
+    <p:extLst>
+      <p:ext uri="{BB962C8B-B14F-4D97-AF65-F5344CB8AC3E}">
+        <p14:creationId xmlns:p14="http://schemas.microsoft.com/office/powerpoint/2010/main" val="1176013758"/>
+      </p:ext>
+    </p:extLst>
+  </p:cSld>
+  <p:clrMapOvr>
+    <a:masterClrMapping/>
+  </p:clrMapOvr>
+</p:sld>
+</file>
+
+<file path=ppt/slides/slide27.xml><?xml version="1.0" encoding="utf-8"?>
+<p:sld xmlns:a="http://schemas.openxmlformats.org/drawingml/2006/main" xmlns:r="http://schemas.openxmlformats.org/officeDocument/2006/relationships" xmlns:p="http://schemas.openxmlformats.org/presentationml/2006/main">
+  <p:cSld>
+    <p:spTree>
+      <p:nvGrpSpPr>
+        <p:cNvPr id="1" name=""/>
+        <p:cNvGrpSpPr/>
+        <p:nvPr/>
+      </p:nvGrpSpPr>
+      <p:grpSpPr>
+        <a:xfrm>
+          <a:off x="0" y="0"/>
+          <a:ext cx="0" cy="0"/>
+          <a:chOff x="0" y="0"/>
+          <a:chExt cx="0" cy="0"/>
+        </a:xfrm>
+      </p:grpSpPr>
+      <p:sp>
+        <p:nvSpPr>
+          <p:cNvPr id="2" name="标题 1"/>
+          <p:cNvSpPr>
+            <a:spLocks noGrp="1"/>
+          </p:cNvSpPr>
+          <p:nvPr>
+            <p:ph type="title"/>
+          </p:nvPr>
+        </p:nvSpPr>
+        <p:spPr/>
+        <p:txBody>
+          <a:bodyPr/>
+          <a:lstStyle/>
+          <a:p>
+            <a:r>
+              <a:rPr lang="en-US" altLang="zh-CN" dirty="0" smtClean="0"/>
+              <a:t>ETCD</a:t>
+            </a:r>
+            <a:r>
+              <a:rPr lang="zh-CN" altLang="en-US" dirty="0" smtClean="0"/>
               <a:t>配置</a:t>
             </a:r>
             <a:endParaRPr lang="zh-CN" altLang="en-US" dirty="0"/>
@@ -10140,7 +10302,7 @@
 </p:sld>
 </file>
 
-<file path=ppt/slides/slide27.xml><?xml version="1.0" encoding="utf-8"?>
+<file path=ppt/slides/slide28.xml><?xml version="1.0" encoding="utf-8"?>
 <p:sld xmlns:a="http://schemas.openxmlformats.org/drawingml/2006/main" xmlns:r="http://schemas.openxmlformats.org/officeDocument/2006/relationships" xmlns:p="http://schemas.openxmlformats.org/presentationml/2006/main">
   <p:cSld>
     <p:spTree>
@@ -10366,7 +10528,7 @@
 </p:sld>
 </file>
 
-<file path=ppt/slides/slide28.xml><?xml version="1.0" encoding="utf-8"?>
+<file path=ppt/slides/slide29.xml><?xml version="1.0" encoding="utf-8"?>
 <p:sld xmlns:a="http://schemas.openxmlformats.org/drawingml/2006/main" xmlns:r="http://schemas.openxmlformats.org/officeDocument/2006/relationships" xmlns:p="http://schemas.openxmlformats.org/presentationml/2006/main">
   <p:cSld>
     <p:spTree>
@@ -10607,344 +10769,6 @@
 </p:sld>
 </file>
 
-<file path=ppt/slides/slide29.xml><?xml version="1.0" encoding="utf-8"?>
-<p:sld xmlns:a="http://schemas.openxmlformats.org/drawingml/2006/main" xmlns:r="http://schemas.openxmlformats.org/officeDocument/2006/relationships" xmlns:p="http://schemas.openxmlformats.org/presentationml/2006/main">
-  <p:cSld>
-    <p:spTree>
-      <p:nvGrpSpPr>
-        <p:cNvPr id="1" name=""/>
-        <p:cNvGrpSpPr/>
-        <p:nvPr/>
-      </p:nvGrpSpPr>
-      <p:grpSpPr>
-        <a:xfrm>
-          <a:off x="0" y="0"/>
-          <a:ext cx="0" cy="0"/>
-          <a:chOff x="0" y="0"/>
-          <a:chExt cx="0" cy="0"/>
-        </a:xfrm>
-      </p:grpSpPr>
-      <p:sp>
-        <p:nvSpPr>
-          <p:cNvPr id="2" name="标题 1"/>
-          <p:cNvSpPr>
-            <a:spLocks noGrp="1"/>
-          </p:cNvSpPr>
-          <p:nvPr>
-            <p:ph type="title"/>
-          </p:nvPr>
-        </p:nvSpPr>
-        <p:spPr/>
-        <p:txBody>
-          <a:bodyPr/>
-          <a:lstStyle/>
-          <a:p>
-            <a:r>
-              <a:rPr lang="en-US" altLang="zh-CN" dirty="0" smtClean="0"/>
-              <a:t>ETCD</a:t>
-            </a:r>
-            <a:r>
-              <a:rPr lang="zh-CN" altLang="en-US" dirty="0" smtClean="0"/>
-              <a:t>实现原理</a:t>
-            </a:r>
-            <a:endParaRPr lang="zh-CN" altLang="en-US" dirty="0"/>
-          </a:p>
-        </p:txBody>
-      </p:sp>
-      <p:sp>
-        <p:nvSpPr>
-          <p:cNvPr id="3" name="内容占位符 2"/>
-          <p:cNvSpPr>
-            <a:spLocks noGrp="1"/>
-          </p:cNvSpPr>
-          <p:nvPr>
-            <p:ph sz="quarter" idx="13"/>
-          </p:nvPr>
-        </p:nvSpPr>
-        <p:spPr/>
-        <p:txBody>
-          <a:bodyPr/>
-          <a:lstStyle/>
-          <a:p>
-            <a:r>
-              <a:rPr lang="zh-CN" altLang="en-US" dirty="0" smtClean="0"/>
-              <a:t>数据存储：</a:t>
-            </a:r>
-            <a:endParaRPr lang="en-US" altLang="zh-CN" dirty="0" smtClean="0"/>
-          </a:p>
-          <a:p>
-            <a:r>
-              <a:rPr lang="en-US" altLang="zh-CN" dirty="0" smtClean="0"/>
-              <a:t>ETCD</a:t>
-            </a:r>
-            <a:r>
-              <a:rPr lang="zh-CN" altLang="en-US" dirty="0" smtClean="0"/>
-              <a:t>存储分内存和持久化两部分。</a:t>
-            </a:r>
-            <a:endParaRPr lang="en-US" altLang="zh-CN" dirty="0" smtClean="0"/>
-          </a:p>
-          <a:p>
-            <a:r>
-              <a:rPr lang="zh-CN" altLang="en-US" dirty="0" smtClean="0"/>
-              <a:t>内存中存储的是基于数据</a:t>
-            </a:r>
-            <a:r>
-              <a:rPr lang="en-US" altLang="zh-CN" dirty="0" smtClean="0"/>
-              <a:t>KV</a:t>
-            </a:r>
-            <a:r>
-              <a:rPr lang="zh-CN" altLang="en-US" dirty="0" smtClean="0"/>
-              <a:t>的树状结构和基于过期时间的小顶堆</a:t>
-            </a:r>
-            <a:endParaRPr lang="en-US" altLang="zh-CN" dirty="0" smtClean="0"/>
-          </a:p>
-          <a:p>
-            <a:r>
-              <a:rPr lang="zh-CN" altLang="en-US" dirty="0"/>
-              <a:t>持久</a:t>
-            </a:r>
-            <a:r>
-              <a:rPr lang="zh-CN" altLang="en-US" dirty="0" smtClean="0"/>
-              <a:t>化</a:t>
-            </a:r>
-            <a:r>
-              <a:rPr lang="en-US" altLang="zh-CN" dirty="0" smtClean="0"/>
-              <a:t>WAL</a:t>
-            </a:r>
-            <a:r>
-              <a:rPr lang="zh-CN" altLang="en-US" dirty="0" smtClean="0"/>
-              <a:t>文件：</a:t>
-            </a:r>
-            <a:r>
-              <a:rPr lang="en-US" altLang="zh-CN" dirty="0" smtClean="0"/>
-              <a:t>write ahead log</a:t>
-            </a:r>
-            <a:r>
-              <a:rPr lang="zh-CN" altLang="en-US" dirty="0" smtClean="0"/>
-              <a:t>，只能是</a:t>
-            </a:r>
-            <a:r>
-              <a:rPr lang="en-US" altLang="zh-CN" dirty="0" smtClean="0"/>
-              <a:t>READ_ONLY</a:t>
-            </a:r>
-            <a:r>
-              <a:rPr lang="zh-CN" altLang="en-US" dirty="0" smtClean="0"/>
-              <a:t>或</a:t>
-            </a:r>
-            <a:r>
-              <a:rPr lang="en-US" altLang="zh-CN" dirty="0" smtClean="0"/>
-              <a:t>APPEND</a:t>
-            </a:r>
-            <a:r>
-              <a:rPr lang="zh-CN" altLang="en-US" dirty="0" smtClean="0"/>
-              <a:t>状态之一</a:t>
-            </a:r>
-            <a:endParaRPr lang="en-US" altLang="zh-CN" dirty="0" smtClean="0"/>
-          </a:p>
-          <a:p>
-            <a:r>
-              <a:rPr lang="zh-CN" altLang="en-US" dirty="0" smtClean="0"/>
-              <a:t>持久化</a:t>
-            </a:r>
-            <a:r>
-              <a:rPr lang="en-US" altLang="zh-CN" dirty="0" smtClean="0"/>
-              <a:t>SNAP</a:t>
-            </a:r>
-            <a:r>
-              <a:rPr lang="zh-CN" altLang="en-US" dirty="0" smtClean="0"/>
-              <a:t>文件：内存某一时刻的快照，创建快照后前一期的</a:t>
-            </a:r>
-            <a:r>
-              <a:rPr lang="en-US" altLang="zh-CN" dirty="0" smtClean="0"/>
-              <a:t>WAL</a:t>
-            </a:r>
-            <a:r>
-              <a:rPr lang="zh-CN" altLang="en-US" dirty="0" smtClean="0"/>
-              <a:t>会再保留到下一次</a:t>
-            </a:r>
-            <a:r>
-              <a:rPr lang="en-US" altLang="zh-CN" dirty="0" smtClean="0"/>
-              <a:t>snapshot</a:t>
-            </a:r>
-            <a:r>
-              <a:rPr lang="zh-CN" altLang="en-US" dirty="0" smtClean="0"/>
-              <a:t>，默认</a:t>
-            </a:r>
-            <a:r>
-              <a:rPr lang="en-US" altLang="zh-CN" dirty="0" smtClean="0"/>
-              <a:t>1W</a:t>
-            </a:r>
-            <a:r>
-              <a:rPr lang="zh-CN" altLang="en-US" dirty="0" smtClean="0"/>
-              <a:t>次写</a:t>
-            </a:r>
-            <a:r>
-              <a:rPr lang="en-US" altLang="zh-CN" dirty="0" smtClean="0"/>
-              <a:t>WAL</a:t>
-            </a:r>
-            <a:r>
-              <a:rPr lang="zh-CN" altLang="en-US" dirty="0" smtClean="0"/>
-              <a:t>做一次</a:t>
-            </a:r>
-            <a:r>
-              <a:rPr lang="en-US" altLang="zh-CN" dirty="0" smtClean="0"/>
-              <a:t>snapshot</a:t>
-            </a:r>
-          </a:p>
-          <a:p>
-            <a:r>
-              <a:rPr lang="zh-CN" altLang="en-US" dirty="0" smtClean="0"/>
-              <a:t>文件命名规则：</a:t>
-            </a:r>
-            <a:endParaRPr lang="en-US" altLang="zh-CN" dirty="0" smtClean="0"/>
-          </a:p>
-          <a:p>
-            <a:r>
-              <a:rPr lang="en-US" altLang="zh-CN" dirty="0"/>
-              <a:t>WAL</a:t>
-            </a:r>
-            <a:r>
-              <a:rPr lang="zh-CN" altLang="en-US" dirty="0"/>
-              <a:t>文件以</a:t>
-            </a:r>
-            <a:r>
-              <a:rPr lang="en-US" altLang="zh-CN" dirty="0"/>
-              <a:t>$</a:t>
-            </a:r>
-            <a:r>
-              <a:rPr lang="en-US" altLang="zh-CN" dirty="0" err="1"/>
-              <a:t>seq</a:t>
-            </a:r>
-            <a:r>
-              <a:rPr lang="en-US" altLang="zh-CN" dirty="0"/>
-              <a:t>-$</a:t>
-            </a:r>
-            <a:r>
-              <a:rPr lang="en-US" altLang="zh-CN" dirty="0" err="1"/>
-              <a:t>index.wal</a:t>
-            </a:r>
-            <a:r>
-              <a:rPr lang="zh-CN" altLang="en-US" dirty="0"/>
-              <a:t>的格式</a:t>
-            </a:r>
-            <a:r>
-              <a:rPr lang="zh-CN" altLang="en-US" dirty="0" smtClean="0"/>
-              <a:t>存储，</a:t>
-            </a:r>
-            <a:r>
-              <a:rPr lang="en-US" altLang="zh-CN" dirty="0" smtClean="0"/>
-              <a:t>$</a:t>
-            </a:r>
-            <a:r>
-              <a:rPr lang="en-US" altLang="zh-CN" dirty="0" err="1" smtClean="0"/>
-              <a:t>seq</a:t>
-            </a:r>
-            <a:r>
-              <a:rPr lang="zh-CN" altLang="en-US" dirty="0" smtClean="0"/>
-              <a:t>代表创建的第几次创建文件，</a:t>
-            </a:r>
-            <a:r>
-              <a:rPr lang="en-US" altLang="zh-CN" dirty="0" smtClean="0"/>
-              <a:t>$index</a:t>
-            </a:r>
-            <a:r>
-              <a:rPr lang="zh-CN" altLang="en-US" dirty="0" smtClean="0"/>
-              <a:t>代表当期</a:t>
-            </a:r>
-            <a:r>
-              <a:rPr lang="en-US" altLang="zh-CN" dirty="0" smtClean="0"/>
-              <a:t>raft</a:t>
-            </a:r>
-            <a:r>
-              <a:rPr lang="zh-CN" altLang="en-US" dirty="0" smtClean="0"/>
-              <a:t>协议内部状态编号</a:t>
-            </a:r>
-            <a:endParaRPr lang="en-US" altLang="zh-CN" dirty="0" smtClean="0"/>
-          </a:p>
-          <a:p>
-            <a:r>
-              <a:rPr lang="en-US" altLang="zh-CN" dirty="0" smtClean="0"/>
-              <a:t>SNAP</a:t>
-            </a:r>
-            <a:r>
-              <a:rPr lang="zh-CN" altLang="en-US" dirty="0" smtClean="0"/>
-              <a:t>文件</a:t>
-            </a:r>
-            <a:r>
-              <a:rPr lang="en-US" altLang="zh-CN" dirty="0" smtClean="0"/>
-              <a:t>$term-</a:t>
-            </a:r>
-            <a:r>
-              <a:rPr lang="en-US" altLang="zh-CN" dirty="0"/>
-              <a:t>$</a:t>
-            </a:r>
-            <a:r>
-              <a:rPr lang="en-US" altLang="zh-CN" dirty="0" err="1"/>
-              <a:t>index.wal</a:t>
-            </a:r>
-            <a:r>
-              <a:rPr lang="zh-CN" altLang="en-US" dirty="0"/>
-              <a:t>格式进行命名存储。</a:t>
-            </a:r>
-            <a:r>
-              <a:rPr lang="en-US" altLang="zh-CN" dirty="0"/>
-              <a:t>term</a:t>
-            </a:r>
-            <a:r>
-              <a:rPr lang="zh-CN" altLang="en-US" dirty="0"/>
-              <a:t>和</a:t>
-            </a:r>
-            <a:r>
-              <a:rPr lang="en-US" altLang="zh-CN" dirty="0"/>
-              <a:t>index</a:t>
-            </a:r>
-            <a:r>
-              <a:rPr lang="zh-CN" altLang="en-US" dirty="0"/>
-              <a:t>就表示存储</a:t>
-            </a:r>
-            <a:r>
-              <a:rPr lang="en-US" altLang="zh-CN" dirty="0"/>
-              <a:t>snapshot</a:t>
-            </a:r>
-            <a:r>
-              <a:rPr lang="zh-CN" altLang="en-US" dirty="0"/>
-              <a:t>时数据所在的</a:t>
-            </a:r>
-            <a:r>
-              <a:rPr lang="en-US" altLang="zh-CN" dirty="0"/>
-              <a:t>raft</a:t>
-            </a:r>
-            <a:r>
-              <a:rPr lang="zh-CN" altLang="en-US" dirty="0"/>
-              <a:t>节点状态，当前的任期编号以及数据项位置信息。</a:t>
-            </a:r>
-            <a:endParaRPr lang="en-US" altLang="zh-CN" dirty="0"/>
-          </a:p>
-          <a:p>
-            <a:endParaRPr lang="zh-CN" altLang="en-US" dirty="0"/>
-          </a:p>
-        </p:txBody>
-      </p:sp>
-    </p:spTree>
-    <p:extLst>
-      <p:ext uri="{BB962C8B-B14F-4D97-AF65-F5344CB8AC3E}">
-        <p14:creationId xmlns:p14="http://schemas.microsoft.com/office/powerpoint/2010/main" val="4246336405"/>
-      </p:ext>
-    </p:extLst>
-  </p:cSld>
-  <p:clrMapOvr>
-    <a:masterClrMapping/>
-  </p:clrMapOvr>
-  <p:timing>
-    <p:tnLst>
-      <p:par>
-        <p:cTn id="1" dur="indefinite" restart="never" nodeType="tmRoot"/>
-      </p:par>
-    </p:tnLst>
-  </p:timing>
-</p:sld>
-</file>
-
 <file path=ppt/slides/slide3.xml><?xml version="1.0" encoding="utf-8"?>
 <p:sld xmlns:a="http://schemas.openxmlformats.org/drawingml/2006/main" xmlns:r="http://schemas.openxmlformats.org/officeDocument/2006/relationships" xmlns:p="http://schemas.openxmlformats.org/presentationml/2006/main">
   <p:cSld>
@@ -10989,7 +10813,6 @@
               <a:rPr lang="zh-CN" altLang="en-US" dirty="0"/>
               <a:t>初体验</a:t>
             </a:r>
-            <a:endParaRPr lang="zh-CN" altLang="en-US" dirty="0"/>
           </a:p>
         </p:txBody>
       </p:sp>
@@ -11269,6 +11092,344 @@
           <a:lstStyle/>
           <a:p>
             <a:r>
+              <a:rPr lang="en-US" altLang="zh-CN" dirty="0" smtClean="0"/>
+              <a:t>ETCD</a:t>
+            </a:r>
+            <a:r>
+              <a:rPr lang="zh-CN" altLang="en-US" dirty="0" smtClean="0"/>
+              <a:t>实现原理</a:t>
+            </a:r>
+            <a:endParaRPr lang="zh-CN" altLang="en-US" dirty="0"/>
+          </a:p>
+        </p:txBody>
+      </p:sp>
+      <p:sp>
+        <p:nvSpPr>
+          <p:cNvPr id="3" name="内容占位符 2"/>
+          <p:cNvSpPr>
+            <a:spLocks noGrp="1"/>
+          </p:cNvSpPr>
+          <p:nvPr>
+            <p:ph sz="quarter" idx="13"/>
+          </p:nvPr>
+        </p:nvSpPr>
+        <p:spPr/>
+        <p:txBody>
+          <a:bodyPr/>
+          <a:lstStyle/>
+          <a:p>
+            <a:r>
+              <a:rPr lang="zh-CN" altLang="en-US" dirty="0" smtClean="0"/>
+              <a:t>数据存储：</a:t>
+            </a:r>
+            <a:endParaRPr lang="en-US" altLang="zh-CN" dirty="0" smtClean="0"/>
+          </a:p>
+          <a:p>
+            <a:r>
+              <a:rPr lang="en-US" altLang="zh-CN" dirty="0" smtClean="0"/>
+              <a:t>ETCD</a:t>
+            </a:r>
+            <a:r>
+              <a:rPr lang="zh-CN" altLang="en-US" dirty="0" smtClean="0"/>
+              <a:t>存储分内存和持久化两部分。</a:t>
+            </a:r>
+            <a:endParaRPr lang="en-US" altLang="zh-CN" dirty="0" smtClean="0"/>
+          </a:p>
+          <a:p>
+            <a:r>
+              <a:rPr lang="zh-CN" altLang="en-US" dirty="0" smtClean="0"/>
+              <a:t>内存中存储的是基于数据</a:t>
+            </a:r>
+            <a:r>
+              <a:rPr lang="en-US" altLang="zh-CN" dirty="0" smtClean="0"/>
+              <a:t>KV</a:t>
+            </a:r>
+            <a:r>
+              <a:rPr lang="zh-CN" altLang="en-US" dirty="0" smtClean="0"/>
+              <a:t>的树状结构和基于过期时间的小顶堆</a:t>
+            </a:r>
+            <a:endParaRPr lang="en-US" altLang="zh-CN" dirty="0" smtClean="0"/>
+          </a:p>
+          <a:p>
+            <a:r>
+              <a:rPr lang="zh-CN" altLang="en-US" dirty="0"/>
+              <a:t>持久</a:t>
+            </a:r>
+            <a:r>
+              <a:rPr lang="zh-CN" altLang="en-US" dirty="0" smtClean="0"/>
+              <a:t>化</a:t>
+            </a:r>
+            <a:r>
+              <a:rPr lang="en-US" altLang="zh-CN" dirty="0" smtClean="0"/>
+              <a:t>WAL</a:t>
+            </a:r>
+            <a:r>
+              <a:rPr lang="zh-CN" altLang="en-US" dirty="0" smtClean="0"/>
+              <a:t>文件：</a:t>
+            </a:r>
+            <a:r>
+              <a:rPr lang="en-US" altLang="zh-CN" dirty="0" smtClean="0"/>
+              <a:t>write ahead log</a:t>
+            </a:r>
+            <a:r>
+              <a:rPr lang="zh-CN" altLang="en-US" dirty="0" smtClean="0"/>
+              <a:t>，只能是</a:t>
+            </a:r>
+            <a:r>
+              <a:rPr lang="en-US" altLang="zh-CN" dirty="0" smtClean="0"/>
+              <a:t>READ_ONLY</a:t>
+            </a:r>
+            <a:r>
+              <a:rPr lang="zh-CN" altLang="en-US" dirty="0" smtClean="0"/>
+              <a:t>或</a:t>
+            </a:r>
+            <a:r>
+              <a:rPr lang="en-US" altLang="zh-CN" dirty="0" smtClean="0"/>
+              <a:t>APPEND</a:t>
+            </a:r>
+            <a:r>
+              <a:rPr lang="zh-CN" altLang="en-US" dirty="0" smtClean="0"/>
+              <a:t>状态之一</a:t>
+            </a:r>
+            <a:endParaRPr lang="en-US" altLang="zh-CN" dirty="0" smtClean="0"/>
+          </a:p>
+          <a:p>
+            <a:r>
+              <a:rPr lang="zh-CN" altLang="en-US" dirty="0" smtClean="0"/>
+              <a:t>持久化</a:t>
+            </a:r>
+            <a:r>
+              <a:rPr lang="en-US" altLang="zh-CN" dirty="0" smtClean="0"/>
+              <a:t>SNAP</a:t>
+            </a:r>
+            <a:r>
+              <a:rPr lang="zh-CN" altLang="en-US" dirty="0" smtClean="0"/>
+              <a:t>文件：内存某一时刻的快照，创建快照后前一期的</a:t>
+            </a:r>
+            <a:r>
+              <a:rPr lang="en-US" altLang="zh-CN" dirty="0" smtClean="0"/>
+              <a:t>WAL</a:t>
+            </a:r>
+            <a:r>
+              <a:rPr lang="zh-CN" altLang="en-US" dirty="0" smtClean="0"/>
+              <a:t>会再保留到下一次</a:t>
+            </a:r>
+            <a:r>
+              <a:rPr lang="en-US" altLang="zh-CN" dirty="0" smtClean="0"/>
+              <a:t>snapshot</a:t>
+            </a:r>
+            <a:r>
+              <a:rPr lang="zh-CN" altLang="en-US" dirty="0" smtClean="0"/>
+              <a:t>，默认</a:t>
+            </a:r>
+            <a:r>
+              <a:rPr lang="en-US" altLang="zh-CN" dirty="0" smtClean="0"/>
+              <a:t>1W</a:t>
+            </a:r>
+            <a:r>
+              <a:rPr lang="zh-CN" altLang="en-US" dirty="0" smtClean="0"/>
+              <a:t>次写</a:t>
+            </a:r>
+            <a:r>
+              <a:rPr lang="en-US" altLang="zh-CN" dirty="0" smtClean="0"/>
+              <a:t>WAL</a:t>
+            </a:r>
+            <a:r>
+              <a:rPr lang="zh-CN" altLang="en-US" dirty="0" smtClean="0"/>
+              <a:t>做一次</a:t>
+            </a:r>
+            <a:r>
+              <a:rPr lang="en-US" altLang="zh-CN" dirty="0" smtClean="0"/>
+              <a:t>snapshot</a:t>
+            </a:r>
+          </a:p>
+          <a:p>
+            <a:r>
+              <a:rPr lang="zh-CN" altLang="en-US" dirty="0" smtClean="0"/>
+              <a:t>文件命名规则：</a:t>
+            </a:r>
+            <a:endParaRPr lang="en-US" altLang="zh-CN" dirty="0" smtClean="0"/>
+          </a:p>
+          <a:p>
+            <a:r>
+              <a:rPr lang="en-US" altLang="zh-CN" dirty="0"/>
+              <a:t>WAL</a:t>
+            </a:r>
+            <a:r>
+              <a:rPr lang="zh-CN" altLang="en-US" dirty="0"/>
+              <a:t>文件以</a:t>
+            </a:r>
+            <a:r>
+              <a:rPr lang="en-US" altLang="zh-CN" dirty="0"/>
+              <a:t>$</a:t>
+            </a:r>
+            <a:r>
+              <a:rPr lang="en-US" altLang="zh-CN" dirty="0" err="1"/>
+              <a:t>seq</a:t>
+            </a:r>
+            <a:r>
+              <a:rPr lang="en-US" altLang="zh-CN" dirty="0"/>
+              <a:t>-$</a:t>
+            </a:r>
+            <a:r>
+              <a:rPr lang="en-US" altLang="zh-CN" dirty="0" err="1"/>
+              <a:t>index.wal</a:t>
+            </a:r>
+            <a:r>
+              <a:rPr lang="zh-CN" altLang="en-US" dirty="0"/>
+              <a:t>的格式</a:t>
+            </a:r>
+            <a:r>
+              <a:rPr lang="zh-CN" altLang="en-US" dirty="0" smtClean="0"/>
+              <a:t>存储，</a:t>
+            </a:r>
+            <a:r>
+              <a:rPr lang="en-US" altLang="zh-CN" dirty="0" smtClean="0"/>
+              <a:t>$</a:t>
+            </a:r>
+            <a:r>
+              <a:rPr lang="en-US" altLang="zh-CN" dirty="0" err="1" smtClean="0"/>
+              <a:t>seq</a:t>
+            </a:r>
+            <a:r>
+              <a:rPr lang="zh-CN" altLang="en-US" dirty="0" smtClean="0"/>
+              <a:t>代表创建的第几次创建文件，</a:t>
+            </a:r>
+            <a:r>
+              <a:rPr lang="en-US" altLang="zh-CN" dirty="0" smtClean="0"/>
+              <a:t>$index</a:t>
+            </a:r>
+            <a:r>
+              <a:rPr lang="zh-CN" altLang="en-US" dirty="0" smtClean="0"/>
+              <a:t>代表当期</a:t>
+            </a:r>
+            <a:r>
+              <a:rPr lang="en-US" altLang="zh-CN" dirty="0" smtClean="0"/>
+              <a:t>raft</a:t>
+            </a:r>
+            <a:r>
+              <a:rPr lang="zh-CN" altLang="en-US" dirty="0" smtClean="0"/>
+              <a:t>协议内部状态编号</a:t>
+            </a:r>
+            <a:endParaRPr lang="en-US" altLang="zh-CN" dirty="0" smtClean="0"/>
+          </a:p>
+          <a:p>
+            <a:r>
+              <a:rPr lang="en-US" altLang="zh-CN" dirty="0" smtClean="0"/>
+              <a:t>SNAP</a:t>
+            </a:r>
+            <a:r>
+              <a:rPr lang="zh-CN" altLang="en-US" dirty="0" smtClean="0"/>
+              <a:t>文件</a:t>
+            </a:r>
+            <a:r>
+              <a:rPr lang="en-US" altLang="zh-CN" dirty="0" smtClean="0"/>
+              <a:t>$term-</a:t>
+            </a:r>
+            <a:r>
+              <a:rPr lang="en-US" altLang="zh-CN" dirty="0"/>
+              <a:t>$</a:t>
+            </a:r>
+            <a:r>
+              <a:rPr lang="en-US" altLang="zh-CN" dirty="0" err="1"/>
+              <a:t>index.wal</a:t>
+            </a:r>
+            <a:r>
+              <a:rPr lang="zh-CN" altLang="en-US" dirty="0"/>
+              <a:t>格式进行命名存储。</a:t>
+            </a:r>
+            <a:r>
+              <a:rPr lang="en-US" altLang="zh-CN" dirty="0"/>
+              <a:t>term</a:t>
+            </a:r>
+            <a:r>
+              <a:rPr lang="zh-CN" altLang="en-US" dirty="0"/>
+              <a:t>和</a:t>
+            </a:r>
+            <a:r>
+              <a:rPr lang="en-US" altLang="zh-CN" dirty="0"/>
+              <a:t>index</a:t>
+            </a:r>
+            <a:r>
+              <a:rPr lang="zh-CN" altLang="en-US" dirty="0"/>
+              <a:t>就表示存储</a:t>
+            </a:r>
+            <a:r>
+              <a:rPr lang="en-US" altLang="zh-CN" dirty="0"/>
+              <a:t>snapshot</a:t>
+            </a:r>
+            <a:r>
+              <a:rPr lang="zh-CN" altLang="en-US" dirty="0"/>
+              <a:t>时数据所在的</a:t>
+            </a:r>
+            <a:r>
+              <a:rPr lang="en-US" altLang="zh-CN" dirty="0"/>
+              <a:t>raft</a:t>
+            </a:r>
+            <a:r>
+              <a:rPr lang="zh-CN" altLang="en-US" dirty="0"/>
+              <a:t>节点状态，当前的任期编号以及数据项位置信息。</a:t>
+            </a:r>
+            <a:endParaRPr lang="en-US" altLang="zh-CN" dirty="0"/>
+          </a:p>
+          <a:p>
+            <a:endParaRPr lang="zh-CN" altLang="en-US" dirty="0"/>
+          </a:p>
+        </p:txBody>
+      </p:sp>
+    </p:spTree>
+    <p:extLst>
+      <p:ext uri="{BB962C8B-B14F-4D97-AF65-F5344CB8AC3E}">
+        <p14:creationId xmlns:p14="http://schemas.microsoft.com/office/powerpoint/2010/main" val="4246336405"/>
+      </p:ext>
+    </p:extLst>
+  </p:cSld>
+  <p:clrMapOvr>
+    <a:masterClrMapping/>
+  </p:clrMapOvr>
+  <p:timing>
+    <p:tnLst>
+      <p:par>
+        <p:cTn id="1" dur="indefinite" restart="never" nodeType="tmRoot"/>
+      </p:par>
+    </p:tnLst>
+  </p:timing>
+</p:sld>
+</file>
+
+<file path=ppt/slides/slide31.xml><?xml version="1.0" encoding="utf-8"?>
+<p:sld xmlns:a="http://schemas.openxmlformats.org/drawingml/2006/main" xmlns:r="http://schemas.openxmlformats.org/officeDocument/2006/relationships" xmlns:p="http://schemas.openxmlformats.org/presentationml/2006/main">
+  <p:cSld>
+    <p:spTree>
+      <p:nvGrpSpPr>
+        <p:cNvPr id="1" name=""/>
+        <p:cNvGrpSpPr/>
+        <p:nvPr/>
+      </p:nvGrpSpPr>
+      <p:grpSpPr>
+        <a:xfrm>
+          <a:off x="0" y="0"/>
+          <a:ext cx="0" cy="0"/>
+          <a:chOff x="0" y="0"/>
+          <a:chExt cx="0" cy="0"/>
+        </a:xfrm>
+      </p:grpSpPr>
+      <p:sp>
+        <p:nvSpPr>
+          <p:cNvPr id="2" name="标题 1"/>
+          <p:cNvSpPr>
+            <a:spLocks noGrp="1"/>
+          </p:cNvSpPr>
+          <p:nvPr>
+            <p:ph type="title"/>
+          </p:nvPr>
+        </p:nvSpPr>
+        <p:spPr/>
+        <p:txBody>
+          <a:bodyPr/>
+          <a:lstStyle/>
+          <a:p>
+            <a:r>
               <a:rPr lang="en-US" altLang="zh-CN" dirty="0" err="1" smtClean="0"/>
               <a:t>Etcd</a:t>
             </a:r>
@@ -11459,7 +11620,7 @@
 </p:sld>
 </file>
 
-<file path=ppt/slides/slide31.xml><?xml version="1.0" encoding="utf-8"?>
+<file path=ppt/slides/slide32.xml><?xml version="1.0" encoding="utf-8"?>
 <p:sld xmlns:a="http://schemas.openxmlformats.org/drawingml/2006/main" xmlns:r="http://schemas.openxmlformats.org/officeDocument/2006/relationships" xmlns:p="http://schemas.openxmlformats.org/presentationml/2006/main">
   <p:cSld>
     <p:spTree>
@@ -11697,7 +11858,7 @@
 </p:sld>
 </file>
 
-<file path=ppt/slides/slide32.xml><?xml version="1.0" encoding="utf-8"?>
+<file path=ppt/slides/slide33.xml><?xml version="1.0" encoding="utf-8"?>
 <p:sld xmlns:a="http://schemas.openxmlformats.org/drawingml/2006/main" xmlns:r="http://schemas.openxmlformats.org/officeDocument/2006/relationships" xmlns:p="http://schemas.openxmlformats.org/presentationml/2006/main">
   <p:cSld>
     <p:spTree>
@@ -11996,7 +12157,7 @@
 </p:sld>
 </file>
 
-<file path=ppt/slides/slide33.xml><?xml version="1.0" encoding="utf-8"?>
+<file path=ppt/slides/slide34.xml><?xml version="1.0" encoding="utf-8"?>
 <p:sld xmlns:a="http://schemas.openxmlformats.org/drawingml/2006/main" xmlns:r="http://schemas.openxmlformats.org/officeDocument/2006/relationships" xmlns:p="http://schemas.openxmlformats.org/presentationml/2006/main">
   <p:cSld>
     <p:spTree>
@@ -12190,7 +12351,7 @@
 </p:sld>
 </file>
 
-<file path=ppt/slides/slide34.xml><?xml version="1.0" encoding="utf-8"?>
+<file path=ppt/slides/slide35.xml><?xml version="1.0" encoding="utf-8"?>
 <p:sld xmlns:a="http://schemas.openxmlformats.org/drawingml/2006/main" xmlns:r="http://schemas.openxmlformats.org/officeDocument/2006/relationships" xmlns:p="http://schemas.openxmlformats.org/presentationml/2006/main">
   <p:cSld>
     <p:spTree>
@@ -12335,7 +12496,7 @@
 </p:sld>
 </file>
 
-<file path=ppt/slides/slide35.xml><?xml version="1.0" encoding="utf-8"?>
+<file path=ppt/slides/slide36.xml><?xml version="1.0" encoding="utf-8"?>
 <p:sld xmlns:a="http://schemas.openxmlformats.org/drawingml/2006/main" xmlns:r="http://schemas.openxmlformats.org/officeDocument/2006/relationships" xmlns:p="http://schemas.openxmlformats.org/presentationml/2006/main">
   <p:cSld>
     <p:spTree>
@@ -12539,7 +12700,7 @@
 </p:sld>
 </file>
 
-<file path=ppt/slides/slide36.xml><?xml version="1.0" encoding="utf-8"?>
+<file path=ppt/slides/slide37.xml><?xml version="1.0" encoding="utf-8"?>
 <p:sld xmlns:a="http://schemas.openxmlformats.org/drawingml/2006/main" xmlns:r="http://schemas.openxmlformats.org/officeDocument/2006/relationships" xmlns:p="http://schemas.openxmlformats.org/presentationml/2006/main">
   <p:cSld>
     <p:spTree>
@@ -12700,7 +12861,7 @@
 </p:sld>
 </file>
 
-<file path=ppt/slides/slide37.xml><?xml version="1.0" encoding="utf-8"?>
+<file path=ppt/slides/slide38.xml><?xml version="1.0" encoding="utf-8"?>
 <p:sld xmlns:a="http://schemas.openxmlformats.org/drawingml/2006/main" xmlns:r="http://schemas.openxmlformats.org/officeDocument/2006/relationships" xmlns:p="http://schemas.openxmlformats.org/presentationml/2006/main">
   <p:cSld>
     <p:spTree>
@@ -12960,421 +13121,6 @@
 </p:sld>
 </file>
 
-<file path=ppt/slides/slide38.xml><?xml version="1.0" encoding="utf-8"?>
-<p:sld xmlns:a="http://schemas.openxmlformats.org/drawingml/2006/main" xmlns:r="http://schemas.openxmlformats.org/officeDocument/2006/relationships" xmlns:p="http://schemas.openxmlformats.org/presentationml/2006/main">
-  <p:cSld>
-    <p:spTree>
-      <p:nvGrpSpPr>
-        <p:cNvPr id="1" name=""/>
-        <p:cNvGrpSpPr/>
-        <p:nvPr/>
-      </p:nvGrpSpPr>
-      <p:grpSpPr>
-        <a:xfrm>
-          <a:off x="0" y="0"/>
-          <a:ext cx="0" cy="0"/>
-          <a:chOff x="0" y="0"/>
-          <a:chExt cx="0" cy="0"/>
-        </a:xfrm>
-      </p:grpSpPr>
-      <p:sp>
-        <p:nvSpPr>
-          <p:cNvPr id="2" name="标题 1"/>
-          <p:cNvSpPr>
-            <a:spLocks noGrp="1"/>
-          </p:cNvSpPr>
-          <p:nvPr>
-            <p:ph type="title"/>
-          </p:nvPr>
-        </p:nvSpPr>
-        <p:spPr/>
-        <p:txBody>
-          <a:bodyPr/>
-          <a:lstStyle/>
-          <a:p>
-            <a:r>
-              <a:rPr lang="en-US" altLang="zh-CN" dirty="0" smtClean="0"/>
-              <a:t>ETCD</a:t>
-            </a:r>
-            <a:r>
-              <a:rPr lang="zh-CN" altLang="en-US" dirty="0" smtClean="0"/>
-              <a:t>数据恢复</a:t>
-            </a:r>
-            <a:endParaRPr lang="zh-CN" altLang="en-US" dirty="0"/>
-          </a:p>
-        </p:txBody>
-      </p:sp>
-      <p:sp>
-        <p:nvSpPr>
-          <p:cNvPr id="3" name="内容占位符 2"/>
-          <p:cNvSpPr>
-            <a:spLocks noGrp="1"/>
-          </p:cNvSpPr>
-          <p:nvPr>
-            <p:ph sz="quarter" idx="13"/>
-          </p:nvPr>
-        </p:nvSpPr>
-        <p:spPr/>
-        <p:txBody>
-          <a:bodyPr/>
-          <a:lstStyle/>
-          <a:p>
-            <a:r>
-              <a:rPr lang="zh-CN" altLang="en-US" dirty="0" smtClean="0"/>
-              <a:t>当集群出现难以修复的问题时，保存数据，重建集群状态。</a:t>
-            </a:r>
-            <a:endParaRPr lang="en-US" altLang="zh-CN" dirty="0" smtClean="0"/>
-          </a:p>
-          <a:p>
-            <a:r>
-              <a:rPr lang="en-US" altLang="zh-CN" dirty="0"/>
-              <a:t>1. </a:t>
-            </a:r>
-            <a:r>
-              <a:rPr lang="en-US" altLang="zh-CN" dirty="0" err="1"/>
-              <a:t>etcdctl</a:t>
-            </a:r>
-            <a:r>
-              <a:rPr lang="en-US" altLang="zh-CN" dirty="0"/>
-              <a:t> backup </a:t>
-            </a:r>
-            <a:r>
-              <a:rPr lang="en-US" altLang="zh-CN" dirty="0" smtClean="0"/>
-              <a:t>--</a:t>
-            </a:r>
-            <a:r>
-              <a:rPr lang="en-US" altLang="zh-CN" dirty="0"/>
-              <a:t>data-</a:t>
-            </a:r>
-            <a:r>
-              <a:rPr lang="en-US" altLang="zh-CN" dirty="0" err="1"/>
-              <a:t>dir</a:t>
-            </a:r>
-            <a:r>
-              <a:rPr lang="en-US" altLang="zh-CN" dirty="0"/>
-              <a:t> /</a:t>
-            </a:r>
-            <a:r>
-              <a:rPr lang="en-US" altLang="zh-CN" dirty="0" err="1"/>
-              <a:t>var</a:t>
-            </a:r>
-            <a:r>
-              <a:rPr lang="en-US" altLang="zh-CN" dirty="0"/>
-              <a:t>/lib/</a:t>
-            </a:r>
-            <a:r>
-              <a:rPr lang="en-US" altLang="zh-CN" dirty="0" err="1"/>
-              <a:t>etcd</a:t>
-            </a:r>
-            <a:r>
-              <a:rPr lang="en-US" altLang="zh-CN" dirty="0"/>
-              <a:t> </a:t>
-            </a:r>
-            <a:r>
-              <a:rPr lang="en-US" altLang="zh-CN" dirty="0" smtClean="0"/>
-              <a:t>--</a:t>
-            </a:r>
-            <a:r>
-              <a:rPr lang="en-US" altLang="zh-CN" dirty="0"/>
-              <a:t>backup-</a:t>
-            </a:r>
-            <a:r>
-              <a:rPr lang="en-US" altLang="zh-CN" dirty="0" err="1"/>
-              <a:t>dir</a:t>
-            </a:r>
-            <a:r>
-              <a:rPr lang="en-US" altLang="zh-CN" dirty="0"/>
-              <a:t> /</a:t>
-            </a:r>
-            <a:r>
-              <a:rPr lang="en-US" altLang="zh-CN" dirty="0" err="1" smtClean="0"/>
-              <a:t>tmp</a:t>
-            </a:r>
-            <a:r>
-              <a:rPr lang="en-US" altLang="zh-CN" dirty="0" smtClean="0"/>
-              <a:t>/</a:t>
-            </a:r>
-            <a:r>
-              <a:rPr lang="en-US" altLang="zh-CN" dirty="0" err="1" smtClean="0"/>
-              <a:t>etcd_backup</a:t>
-            </a:r>
-            <a:endParaRPr lang="en-US" altLang="zh-CN" dirty="0" smtClean="0"/>
-          </a:p>
-          <a:p>
-            <a:pPr marL="0" indent="0">
-              <a:buNone/>
-            </a:pPr>
-            <a:r>
-              <a:rPr lang="en-US" altLang="zh-CN" dirty="0"/>
-              <a:t>	</a:t>
-            </a:r>
-            <a:r>
-              <a:rPr lang="zh-CN" altLang="en-US" dirty="0" smtClean="0"/>
-              <a:t>清洗集群相关信息，保留数据</a:t>
-            </a:r>
-            <a:endParaRPr lang="en-US" altLang="zh-CN" dirty="0" smtClean="0"/>
-          </a:p>
-          <a:p>
-            <a:r>
-              <a:rPr lang="en-US" altLang="zh-CN" dirty="0"/>
-              <a:t>2. </a:t>
-            </a:r>
-            <a:r>
-              <a:rPr lang="en-US" altLang="zh-CN" dirty="0" err="1"/>
-              <a:t>etcd</a:t>
-            </a:r>
-            <a:r>
-              <a:rPr lang="en-US" altLang="zh-CN" dirty="0"/>
-              <a:t> \ -data-</a:t>
-            </a:r>
-            <a:r>
-              <a:rPr lang="en-US" altLang="zh-CN" dirty="0" err="1"/>
-              <a:t>dir</a:t>
-            </a:r>
-            <a:r>
-              <a:rPr lang="en-US" altLang="zh-CN" b="1" dirty="0"/>
-              <a:t>=</a:t>
-            </a:r>
-            <a:r>
-              <a:rPr lang="en-US" altLang="zh-CN" dirty="0"/>
-              <a:t>/</a:t>
-            </a:r>
-            <a:r>
-              <a:rPr lang="en-US" altLang="zh-CN" dirty="0" err="1"/>
-              <a:t>tmp</a:t>
-            </a:r>
-            <a:r>
-              <a:rPr lang="en-US" altLang="zh-CN" dirty="0"/>
-              <a:t>/</a:t>
-            </a:r>
-            <a:r>
-              <a:rPr lang="en-US" altLang="zh-CN" dirty="0" err="1"/>
-              <a:t>etcd_backup</a:t>
-            </a:r>
-            <a:r>
-              <a:rPr lang="en-US" altLang="zh-CN" dirty="0"/>
-              <a:t> </a:t>
-            </a:r>
-            <a:r>
-              <a:rPr lang="en-US" altLang="zh-CN" dirty="0" smtClean="0"/>
-              <a:t>-force-new-cluster</a:t>
-            </a:r>
-            <a:endParaRPr lang="en-US" altLang="zh-CN" dirty="0"/>
-          </a:p>
-          <a:p>
-            <a:pPr marL="0" indent="0">
-              <a:buNone/>
-            </a:pPr>
-            <a:r>
-              <a:rPr lang="en-US" altLang="zh-CN" dirty="0"/>
-              <a:t>	</a:t>
-            </a:r>
-            <a:r>
-              <a:rPr lang="zh-CN" altLang="en-US" dirty="0" smtClean="0"/>
-              <a:t>根据数据文件建立新的集群</a:t>
-            </a:r>
-            <a:endParaRPr lang="en-US" altLang="zh-CN" dirty="0" smtClean="0"/>
-          </a:p>
-          <a:p>
-            <a:r>
-              <a:rPr lang="en-US" altLang="zh-CN" dirty="0" smtClean="0"/>
-              <a:t>3</a:t>
-            </a:r>
-            <a:r>
-              <a:rPr lang="en-US" altLang="zh-CN" dirty="0"/>
-              <a:t>. </a:t>
-            </a:r>
-            <a:r>
-              <a:rPr lang="en-US" altLang="zh-CN" dirty="0" err="1"/>
-              <a:t>pkill</a:t>
-            </a:r>
-            <a:r>
-              <a:rPr lang="en-US" altLang="zh-CN" dirty="0"/>
-              <a:t> </a:t>
-            </a:r>
-            <a:r>
-              <a:rPr lang="en-US" altLang="zh-CN" dirty="0" err="1"/>
-              <a:t>etcd</a:t>
-            </a:r>
-            <a:r>
-              <a:rPr lang="en-US" altLang="zh-CN" dirty="0"/>
-              <a:t> </a:t>
-            </a:r>
-            <a:r>
-              <a:rPr lang="en-US" altLang="zh-CN" dirty="0" err="1"/>
-              <a:t>rm</a:t>
-            </a:r>
-            <a:r>
-              <a:rPr lang="en-US" altLang="zh-CN" dirty="0"/>
-              <a:t> -</a:t>
-            </a:r>
-            <a:r>
-              <a:rPr lang="en-US" altLang="zh-CN" dirty="0" err="1"/>
-              <a:t>fr</a:t>
-            </a:r>
-            <a:r>
-              <a:rPr lang="en-US" altLang="zh-CN" dirty="0"/>
-              <a:t> /</a:t>
-            </a:r>
-            <a:r>
-              <a:rPr lang="en-US" altLang="zh-CN" dirty="0" err="1"/>
-              <a:t>var</a:t>
-            </a:r>
-            <a:r>
-              <a:rPr lang="en-US" altLang="zh-CN" dirty="0"/>
-              <a:t>/lib/</a:t>
-            </a:r>
-            <a:r>
-              <a:rPr lang="en-US" altLang="zh-CN" dirty="0" err="1"/>
-              <a:t>etcd</a:t>
-            </a:r>
-            <a:r>
-              <a:rPr lang="en-US" altLang="zh-CN" dirty="0"/>
-              <a:t> mv /</a:t>
-            </a:r>
-            <a:r>
-              <a:rPr lang="en-US" altLang="zh-CN" dirty="0" err="1"/>
-              <a:t>tmp</a:t>
-            </a:r>
-            <a:r>
-              <a:rPr lang="en-US" altLang="zh-CN" dirty="0"/>
-              <a:t>/</a:t>
-            </a:r>
-            <a:r>
-              <a:rPr lang="en-US" altLang="zh-CN" dirty="0" err="1"/>
-              <a:t>etcd_backup</a:t>
-            </a:r>
-            <a:r>
-              <a:rPr lang="en-US" altLang="zh-CN" dirty="0"/>
-              <a:t> /</a:t>
-            </a:r>
-            <a:r>
-              <a:rPr lang="en-US" altLang="zh-CN" dirty="0" err="1"/>
-              <a:t>var</a:t>
-            </a:r>
-            <a:r>
-              <a:rPr lang="en-US" altLang="zh-CN" dirty="0"/>
-              <a:t>/lib/</a:t>
-            </a:r>
-            <a:r>
-              <a:rPr lang="en-US" altLang="zh-CN" dirty="0" err="1"/>
-              <a:t>etcd</a:t>
-            </a:r>
-            <a:r>
-              <a:rPr lang="en-US" altLang="zh-CN" dirty="0"/>
-              <a:t> </a:t>
-            </a:r>
-            <a:r>
-              <a:rPr lang="en-US" altLang="zh-CN" dirty="0" err="1"/>
-              <a:t>etcd</a:t>
-            </a:r>
-            <a:r>
-              <a:rPr lang="en-US" altLang="zh-CN" dirty="0"/>
-              <a:t> </a:t>
-            </a:r>
-            <a:r>
-              <a:rPr lang="en-US" altLang="zh-CN" dirty="0" smtClean="0"/>
-              <a:t>-data-</a:t>
-            </a:r>
-            <a:r>
-              <a:rPr lang="en-US" altLang="zh-CN" dirty="0" err="1" smtClean="0"/>
-              <a:t>dir</a:t>
-            </a:r>
-            <a:r>
-              <a:rPr lang="en-US" altLang="zh-CN" b="1" dirty="0"/>
-              <a:t>=</a:t>
-            </a:r>
-            <a:r>
-              <a:rPr lang="en-US" altLang="zh-CN" dirty="0"/>
-              <a:t>/</a:t>
-            </a:r>
-            <a:r>
-              <a:rPr lang="en-US" altLang="zh-CN" dirty="0" err="1"/>
-              <a:t>var</a:t>
-            </a:r>
-            <a:r>
-              <a:rPr lang="en-US" altLang="zh-CN" dirty="0"/>
-              <a:t>/lib/</a:t>
-            </a:r>
-            <a:r>
-              <a:rPr lang="en-US" altLang="zh-CN" dirty="0" err="1"/>
-              <a:t>etcd</a:t>
-            </a:r>
-            <a:r>
-              <a:rPr lang="en-US" altLang="zh-CN" dirty="0"/>
-              <a:t> </a:t>
-            </a:r>
-          </a:p>
-          <a:p>
-            <a:pPr marL="0" indent="0">
-              <a:buNone/>
-            </a:pPr>
-            <a:r>
-              <a:rPr lang="en-US" altLang="zh-CN" dirty="0" smtClean="0"/>
-              <a:t>	</a:t>
-            </a:r>
-            <a:r>
-              <a:rPr lang="zh-CN" altLang="en-US" dirty="0" smtClean="0"/>
-              <a:t>覆盖原来的文件</a:t>
-            </a:r>
-            <a:endParaRPr lang="en-US" altLang="zh-CN" dirty="0" smtClean="0"/>
-          </a:p>
-          <a:p>
-            <a:r>
-              <a:rPr lang="en-US" altLang="zh-CN" dirty="0" smtClean="0"/>
-              <a:t>4. </a:t>
-            </a:r>
-            <a:r>
-              <a:rPr lang="en-US" altLang="zh-CN" dirty="0" err="1" smtClean="0"/>
-              <a:t>etcdctl</a:t>
-            </a:r>
-            <a:r>
-              <a:rPr lang="en-US" altLang="zh-CN" dirty="0" smtClean="0"/>
-              <a:t> member add</a:t>
-            </a:r>
-          </a:p>
-          <a:p>
-            <a:pPr marL="0" indent="0">
-              <a:buNone/>
-            </a:pPr>
-            <a:r>
-              <a:rPr lang="en-US" altLang="zh-CN" dirty="0"/>
-              <a:t>	</a:t>
-            </a:r>
-            <a:r>
-              <a:rPr lang="zh-CN" altLang="en-US" dirty="0" smtClean="0"/>
-              <a:t>动态增加节点</a:t>
-            </a:r>
-            <a:endParaRPr lang="en-US" altLang="zh-CN" dirty="0" smtClean="0"/>
-          </a:p>
-          <a:p>
-            <a:pPr marL="914400" lvl="2" indent="0">
-              <a:buNone/>
-            </a:pPr>
-            <a:endParaRPr lang="en-US" altLang="zh-CN" dirty="0"/>
-          </a:p>
-        </p:txBody>
-      </p:sp>
-    </p:spTree>
-    <p:extLst>
-      <p:ext uri="{BB962C8B-B14F-4D97-AF65-F5344CB8AC3E}">
-        <p14:creationId xmlns:p14="http://schemas.microsoft.com/office/powerpoint/2010/main" val="475448405"/>
-      </p:ext>
-    </p:extLst>
-  </p:cSld>
-  <p:clrMapOvr>
-    <a:masterClrMapping/>
-  </p:clrMapOvr>
-  <p:timing>
-    <p:tnLst>
-      <p:par>
-        <p:cTn id="1" dur="indefinite" restart="never" nodeType="tmRoot"/>
-      </p:par>
-    </p:tnLst>
-  </p:timing>
-</p:sld>
-</file>
-
 <file path=ppt/slides/slide39.xml><?xml version="1.0" encoding="utf-8"?>
 <p:sld xmlns:a="http://schemas.openxmlformats.org/drawingml/2006/main" xmlns:r="http://schemas.openxmlformats.org/officeDocument/2006/relationships" xmlns:p="http://schemas.openxmlformats.org/presentationml/2006/main">
   <p:cSld>
@@ -13413,7 +13159,7 @@
             </a:r>
             <a:r>
               <a:rPr lang="zh-CN" altLang="en-US" dirty="0" smtClean="0"/>
-              <a:t>调优</a:t>
+              <a:t>数据恢复</a:t>
             </a:r>
             <a:endParaRPr lang="zh-CN" altLang="en-US" dirty="0"/>
           </a:p>
@@ -13436,139 +13182,344 @@
           <a:p>
             <a:r>
               <a:rPr lang="zh-CN" altLang="en-US" dirty="0" smtClean="0"/>
-              <a:t>心跳间隔：</a:t>
-            </a:r>
-            <a:r>
-              <a:rPr lang="en-US" altLang="zh-CN" dirty="0" smtClean="0"/>
-              <a:t>leader</a:t>
-            </a:r>
-            <a:r>
-              <a:rPr lang="zh-CN" altLang="en-US" dirty="0" smtClean="0"/>
-              <a:t>压制</a:t>
-            </a:r>
-            <a:r>
-              <a:rPr lang="en-US" altLang="zh-CN" dirty="0" smtClean="0"/>
-              <a:t>follower</a:t>
-            </a:r>
-            <a:r>
-              <a:rPr lang="zh-CN" altLang="en-US" dirty="0" smtClean="0"/>
-              <a:t>变成</a:t>
-            </a:r>
-            <a:r>
-              <a:rPr lang="en-US" altLang="zh-CN" dirty="0" smtClean="0"/>
-              <a:t>candidate</a:t>
-            </a:r>
-            <a:r>
-              <a:rPr lang="zh-CN" altLang="en-US" dirty="0" smtClean="0"/>
-              <a:t>，</a:t>
+              <a:t>当集群出现难以修复的问题时，保存数据，重建集群状态。</a:t>
+            </a:r>
+            <a:endParaRPr lang="en-US" altLang="zh-CN" dirty="0" smtClean="0"/>
+          </a:p>
+          <a:p>
+            <a:r>
+              <a:rPr lang="en-US" altLang="zh-CN" dirty="0"/>
+              <a:t>1. </a:t>
+            </a:r>
+            <a:r>
+              <a:rPr lang="en-US" altLang="zh-CN" dirty="0" err="1"/>
+              <a:t>etcdctl</a:t>
+            </a:r>
+            <a:r>
+              <a:rPr lang="en-US" altLang="zh-CN" dirty="0"/>
+              <a:t> backup </a:t>
+            </a:r>
+            <a:r>
+              <a:rPr lang="en-US" altLang="zh-CN" dirty="0" smtClean="0"/>
+              <a:t>--</a:t>
+            </a:r>
+            <a:r>
+              <a:rPr lang="en-US" altLang="zh-CN" dirty="0"/>
+              <a:t>data-</a:t>
+            </a:r>
+            <a:r>
+              <a:rPr lang="en-US" altLang="zh-CN" dirty="0" err="1"/>
+              <a:t>dir</a:t>
+            </a:r>
+            <a:r>
+              <a:rPr lang="en-US" altLang="zh-CN" dirty="0"/>
+              <a:t> /</a:t>
+            </a:r>
+            <a:r>
+              <a:rPr lang="en-US" altLang="zh-CN" dirty="0" err="1"/>
+              <a:t>var</a:t>
+            </a:r>
+            <a:r>
+              <a:rPr lang="en-US" altLang="zh-CN" dirty="0"/>
+              <a:t>/lib/</a:t>
+            </a:r>
+            <a:r>
+              <a:rPr lang="en-US" altLang="zh-CN" dirty="0" err="1"/>
+              <a:t>etcd</a:t>
+            </a:r>
+            <a:r>
+              <a:rPr lang="en-US" altLang="zh-CN" dirty="0"/>
+              <a:t> </a:t>
+            </a:r>
+            <a:r>
+              <a:rPr lang="en-US" altLang="zh-CN" dirty="0" smtClean="0"/>
+              <a:t>--</a:t>
+            </a:r>
+            <a:r>
+              <a:rPr lang="en-US" altLang="zh-CN" dirty="0"/>
+              <a:t>backup-</a:t>
+            </a:r>
+            <a:r>
+              <a:rPr lang="en-US" altLang="zh-CN" dirty="0" err="1"/>
+              <a:t>dir</a:t>
+            </a:r>
+            <a:r>
+              <a:rPr lang="en-US" altLang="zh-CN" dirty="0"/>
+              <a:t> /</a:t>
             </a:r>
             <a:r>
               <a:rPr lang="en-US" altLang="zh-CN" dirty="0" err="1" smtClean="0"/>
+              <a:t>tmp</a:t>
+            </a:r>
+            <a:r>
+              <a:rPr lang="en-US" altLang="zh-CN" dirty="0" smtClean="0"/>
+              <a:t>/</a:t>
+            </a:r>
+            <a:r>
+              <a:rPr lang="en-US" altLang="zh-CN" dirty="0" err="1" smtClean="0"/>
+              <a:t>etcd_backup</a:t>
+            </a:r>
+            <a:endParaRPr lang="en-US" altLang="zh-CN" dirty="0" smtClean="0"/>
+          </a:p>
+          <a:p>
+            <a:pPr marL="0" indent="0">
+              <a:buNone/>
+            </a:pPr>
+            <a:r>
+              <a:rPr lang="en-US" altLang="zh-CN" dirty="0"/>
+              <a:t>	</a:t>
+            </a:r>
+            <a:r>
+              <a:rPr lang="zh-CN" altLang="en-US" dirty="0" smtClean="0"/>
+              <a:t>清洗集群相关信息，保留数据</a:t>
+            </a:r>
+            <a:endParaRPr lang="en-US" altLang="zh-CN" dirty="0" smtClean="0"/>
+          </a:p>
+          <a:p>
+            <a:r>
+              <a:rPr lang="en-US" altLang="zh-CN" dirty="0"/>
+              <a:t>2. </a:t>
+            </a:r>
+            <a:r>
+              <a:rPr lang="en-US" altLang="zh-CN" dirty="0" err="1"/>
               <a:t>etcd</a:t>
             </a:r>
             <a:r>
-              <a:rPr lang="zh-CN" altLang="en-US" dirty="0" smtClean="0"/>
-              <a:t>， </a:t>
-            </a:r>
-            <a:r>
-              <a:rPr lang="en-US" altLang="zh-CN" dirty="0" smtClean="0"/>
-              <a:t>sync</a:t>
-            </a:r>
-            <a:r>
-              <a:rPr lang="zh-CN" altLang="en-US" dirty="0" smtClean="0"/>
-              <a:t>最长</a:t>
-            </a:r>
-            <a:r>
-              <a:rPr lang="en-US" altLang="zh-CN" dirty="0" smtClean="0"/>
-              <a:t>1s. </a:t>
+              <a:rPr lang="en-US" altLang="zh-CN" dirty="0"/>
+              <a:t> \ -data-</a:t>
+            </a:r>
+            <a:r>
+              <a:rPr lang="en-US" altLang="zh-CN" dirty="0" err="1"/>
+              <a:t>dir</a:t>
+            </a:r>
+            <a:r>
+              <a:rPr lang="en-US" altLang="zh-CN" b="1" dirty="0"/>
+              <a:t>=</a:t>
+            </a:r>
+            <a:r>
+              <a:rPr lang="en-US" altLang="zh-CN" dirty="0"/>
+              <a:t>/</a:t>
+            </a:r>
+            <a:r>
+              <a:rPr lang="en-US" altLang="zh-CN" dirty="0" err="1"/>
+              <a:t>tmp</a:t>
+            </a:r>
+            <a:r>
+              <a:rPr lang="en-US" altLang="zh-CN" dirty="0"/>
+              <a:t>/</a:t>
+            </a:r>
+            <a:r>
+              <a:rPr lang="en-US" altLang="zh-CN" dirty="0" err="1"/>
+              <a:t>etcd_backup</a:t>
+            </a:r>
+            <a:r>
+              <a:rPr lang="en-US" altLang="zh-CN" dirty="0"/>
+              <a:t> </a:t>
+            </a:r>
+            <a:r>
+              <a:rPr lang="en-US" altLang="zh-CN" dirty="0" smtClean="0"/>
+              <a:t>-force-new-cluster</a:t>
+            </a:r>
+            <a:endParaRPr lang="en-US" altLang="zh-CN" dirty="0"/>
+          </a:p>
+          <a:p>
+            <a:pPr marL="0" indent="0">
+              <a:buNone/>
+            </a:pPr>
+            <a:r>
+              <a:rPr lang="en-US" altLang="zh-CN" dirty="0"/>
+              <a:t>	</a:t>
+            </a:r>
+            <a:r>
+              <a:rPr lang="zh-CN" altLang="en-US" dirty="0" smtClean="0"/>
+              <a:t>根据数据文件建立新的集群</a:t>
+            </a:r>
+            <a:endParaRPr lang="en-US" altLang="zh-CN" dirty="0" smtClean="0"/>
+          </a:p>
+          <a:p>
+            <a:r>
+              <a:rPr lang="en-US" altLang="zh-CN" dirty="0" smtClean="0"/>
+              <a:t>3</a:t>
+            </a:r>
+            <a:r>
+              <a:rPr lang="en-US" altLang="zh-CN" dirty="0"/>
+              <a:t>. </a:t>
+            </a:r>
+            <a:r>
+              <a:rPr lang="en-US" altLang="zh-CN" dirty="0" err="1"/>
+              <a:t>pkill</a:t>
+            </a:r>
+            <a:r>
+              <a:rPr lang="en-US" altLang="zh-CN" dirty="0"/>
+              <a:t> </a:t>
+            </a:r>
+            <a:r>
+              <a:rPr lang="en-US" altLang="zh-CN" dirty="0" err="1"/>
+              <a:t>etcd</a:t>
+            </a:r>
+            <a:r>
+              <a:rPr lang="en-US" altLang="zh-CN" dirty="0"/>
+              <a:t> </a:t>
+            </a:r>
+            <a:r>
+              <a:rPr lang="en-US" altLang="zh-CN" dirty="0" err="1"/>
+              <a:t>rm</a:t>
+            </a:r>
+            <a:r>
+              <a:rPr lang="en-US" altLang="zh-CN" dirty="0"/>
+              <a:t> -</a:t>
+            </a:r>
+            <a:r>
+              <a:rPr lang="en-US" altLang="zh-CN" dirty="0" err="1"/>
+              <a:t>fr</a:t>
+            </a:r>
+            <a:r>
+              <a:rPr lang="en-US" altLang="zh-CN" dirty="0"/>
+              <a:t> /</a:t>
+            </a:r>
+            <a:r>
+              <a:rPr lang="en-US" altLang="zh-CN" dirty="0" err="1"/>
+              <a:t>var</a:t>
+            </a:r>
+            <a:r>
+              <a:rPr lang="en-US" altLang="zh-CN" dirty="0"/>
+              <a:t>/lib/</a:t>
+            </a:r>
+            <a:r>
+              <a:rPr lang="en-US" altLang="zh-CN" dirty="0" err="1"/>
+              <a:t>etcd</a:t>
+            </a:r>
+            <a:r>
+              <a:rPr lang="en-US" altLang="zh-CN" dirty="0"/>
+              <a:t> mv /</a:t>
+            </a:r>
+            <a:r>
+              <a:rPr lang="en-US" altLang="zh-CN" dirty="0" err="1"/>
+              <a:t>tmp</a:t>
+            </a:r>
+            <a:r>
+              <a:rPr lang="en-US" altLang="zh-CN" dirty="0"/>
+              <a:t>/</a:t>
+            </a:r>
+            <a:r>
+              <a:rPr lang="en-US" altLang="zh-CN" dirty="0" err="1"/>
+              <a:t>etcd_backup</a:t>
+            </a:r>
+            <a:r>
+              <a:rPr lang="en-US" altLang="zh-CN" dirty="0"/>
+              <a:t> /</a:t>
+            </a:r>
+            <a:r>
+              <a:rPr lang="en-US" altLang="zh-CN" dirty="0" err="1"/>
+              <a:t>var</a:t>
+            </a:r>
+            <a:r>
+              <a:rPr lang="en-US" altLang="zh-CN" dirty="0"/>
+              <a:t>/lib/</a:t>
+            </a:r>
+            <a:r>
+              <a:rPr lang="en-US" altLang="zh-CN" dirty="0" err="1"/>
+              <a:t>etcd</a:t>
+            </a:r>
+            <a:r>
+              <a:rPr lang="en-US" altLang="zh-CN" dirty="0"/>
+              <a:t> </a:t>
+            </a:r>
+            <a:r>
+              <a:rPr lang="en-US" altLang="zh-CN" dirty="0" err="1"/>
+              <a:t>etcd</a:t>
+            </a:r>
+            <a:r>
+              <a:rPr lang="en-US" altLang="zh-CN" dirty="0"/>
+              <a:t> </a:t>
+            </a:r>
+            <a:r>
+              <a:rPr lang="en-US" altLang="zh-CN" dirty="0" smtClean="0"/>
+              <a:t>-data-</a:t>
             </a:r>
             <a:r>
               <a:rPr lang="en-US" altLang="zh-CN" dirty="0" err="1" smtClean="0"/>
-              <a:t>Etcd</a:t>
-            </a:r>
-            <a:r>
-              <a:rPr lang="zh-CN" altLang="en-US" dirty="0" smtClean="0"/>
-              <a:t>为了提高吞吐量，将集群同步数据打包（</a:t>
-            </a:r>
-            <a:r>
-              <a:rPr lang="en-US" altLang="zh-CN" dirty="0" smtClean="0"/>
-              <a:t>batch request</a:t>
-            </a:r>
-            <a:r>
-              <a:rPr lang="zh-CN" altLang="en-US" dirty="0" smtClean="0"/>
-              <a:t>）</a:t>
-            </a:r>
-            <a:r>
-              <a:rPr lang="en-US" altLang="zh-CN" dirty="0" smtClean="0"/>
-              <a:t>,</a:t>
-            </a:r>
-            <a:r>
-              <a:rPr lang="zh-CN" altLang="en-US" dirty="0"/>
-              <a:t>放</a:t>
-            </a:r>
-            <a:r>
-              <a:rPr lang="zh-CN" altLang="en-US" dirty="0" smtClean="0"/>
-              <a:t>到心跳报文中实现集群数据同步。</a:t>
-            </a:r>
-            <a:endParaRPr lang="en-US" altLang="zh-CN" dirty="0" smtClean="0"/>
-          </a:p>
-          <a:p>
+              <a:t>dir</a:t>
+            </a:r>
+            <a:r>
+              <a:rPr lang="en-US" altLang="zh-CN" b="1" dirty="0"/>
+              <a:t>=</a:t>
+            </a:r>
+            <a:r>
+              <a:rPr lang="en-US" altLang="zh-CN" dirty="0"/>
+              <a:t>/</a:t>
+            </a:r>
+            <a:r>
+              <a:rPr lang="en-US" altLang="zh-CN" dirty="0" err="1"/>
+              <a:t>var</a:t>
+            </a:r>
+            <a:r>
+              <a:rPr lang="en-US" altLang="zh-CN" dirty="0"/>
+              <a:t>/lib/</a:t>
+            </a:r>
+            <a:r>
+              <a:rPr lang="en-US" altLang="zh-CN" dirty="0" err="1"/>
+              <a:t>etcd</a:t>
+            </a:r>
+            <a:r>
+              <a:rPr lang="en-US" altLang="zh-CN" dirty="0"/>
+              <a:t> </a:t>
+            </a:r>
+          </a:p>
+          <a:p>
+            <a:pPr marL="0" indent="0">
+              <a:buNone/>
+            </a:pPr>
+            <a:r>
+              <a:rPr lang="en-US" altLang="zh-CN" dirty="0" smtClean="0"/>
+              <a:t>	</a:t>
+            </a:r>
+            <a:r>
+              <a:rPr lang="zh-CN" altLang="en-US" dirty="0" smtClean="0"/>
+              <a:t>覆盖原来的文件</a:t>
+            </a:r>
+            <a:endParaRPr lang="en-US" altLang="zh-CN" dirty="0" smtClean="0"/>
+          </a:p>
+          <a:p>
+            <a:r>
+              <a:rPr lang="en-US" altLang="zh-CN" dirty="0" smtClean="0"/>
+              <a:t>4. </a:t>
+            </a:r>
+            <a:r>
+              <a:rPr lang="en-US" altLang="zh-CN" dirty="0" err="1" smtClean="0"/>
+              <a:t>etcdctl</a:t>
+            </a:r>
+            <a:r>
+              <a:rPr lang="en-US" altLang="zh-CN" dirty="0" smtClean="0"/>
+              <a:t> member add</a:t>
+            </a:r>
+          </a:p>
+          <a:p>
+            <a:pPr marL="0" indent="0">
+              <a:buNone/>
+            </a:pPr>
+            <a:r>
+              <a:rPr lang="en-US" altLang="zh-CN" dirty="0"/>
+              <a:t>	</a:t>
+            </a:r>
+            <a:r>
+              <a:rPr lang="zh-CN" altLang="en-US" dirty="0" smtClean="0"/>
+              <a:t>动态增加节点</a:t>
+            </a:r>
+            <a:endParaRPr lang="en-US" altLang="zh-CN" dirty="0" smtClean="0"/>
+          </a:p>
+          <a:p>
+            <a:pPr marL="914400" lvl="2" indent="0">
+              <a:buNone/>
+            </a:pPr>
             <a:endParaRPr lang="en-US" altLang="zh-CN" dirty="0"/>
-          </a:p>
-          <a:p>
-            <a:r>
-              <a:rPr lang="zh-CN" altLang="en-US" dirty="0" smtClean="0"/>
-              <a:t>选举超时：太长则可能长时间无</a:t>
-            </a:r>
-            <a:r>
-              <a:rPr lang="en-US" altLang="zh-CN" dirty="0" smtClean="0"/>
-              <a:t>leader</a:t>
-            </a:r>
-            <a:r>
-              <a:rPr lang="zh-CN" altLang="en-US" dirty="0" smtClean="0"/>
-              <a:t>，太短</a:t>
-            </a:r>
-            <a:r>
-              <a:rPr lang="en-US" altLang="zh-CN" dirty="0" smtClean="0"/>
-              <a:t>leader</a:t>
-            </a:r>
-            <a:r>
-              <a:rPr lang="zh-CN" altLang="en-US" dirty="0" smtClean="0"/>
-              <a:t>切换平凡</a:t>
-            </a:r>
-            <a:endParaRPr lang="en-US" altLang="zh-CN" dirty="0" smtClean="0"/>
-          </a:p>
-          <a:p>
-            <a:endParaRPr lang="en-US" altLang="zh-CN" dirty="0"/>
-          </a:p>
-          <a:p>
-            <a:r>
-              <a:rPr lang="zh-CN" altLang="en-US" dirty="0" smtClean="0"/>
-              <a:t>快照触发条件</a:t>
-            </a:r>
-            <a:r>
-              <a:rPr lang="zh-CN" altLang="en-US" dirty="0" smtClean="0"/>
-              <a:t>：</a:t>
-            </a:r>
-            <a:r>
-              <a:rPr lang="zh-CN" altLang="en-US" dirty="0"/>
-              <a:t>根</a:t>
-            </a:r>
-            <a:r>
-              <a:rPr lang="zh-CN" altLang="en-US" dirty="0" smtClean="0"/>
-              <a:t>据写请求并发量调整</a:t>
-            </a:r>
-            <a:endParaRPr lang="en-US" altLang="zh-CN" dirty="0" smtClean="0"/>
-          </a:p>
-          <a:p>
-            <a:endParaRPr lang="zh-CN" altLang="en-US" dirty="0"/>
           </a:p>
         </p:txBody>
       </p:sp>
     </p:spTree>
     <p:extLst>
       <p:ext uri="{BB962C8B-B14F-4D97-AF65-F5344CB8AC3E}">
-        <p14:creationId xmlns:p14="http://schemas.microsoft.com/office/powerpoint/2010/main" val="2423374417"/>
+        <p14:creationId xmlns:p14="http://schemas.microsoft.com/office/powerpoint/2010/main" val="475448405"/>
       </p:ext>
     </p:extLst>
   </p:cSld>
@@ -13629,7 +13580,6 @@
               <a:rPr lang="zh-CN" altLang="en-US" dirty="0"/>
               <a:t>初体验</a:t>
             </a:r>
-            <a:endParaRPr lang="zh-CN" altLang="en-US" dirty="0"/>
           </a:p>
         </p:txBody>
       </p:sp>
@@ -13923,7 +13873,7 @@
             </a:r>
             <a:r>
               <a:rPr lang="zh-CN" altLang="en-US" dirty="0" smtClean="0"/>
-              <a:t>使用过程的的一些问题</a:t>
+              <a:t>调优</a:t>
             </a:r>
             <a:endParaRPr lang="zh-CN" altLang="en-US" dirty="0"/>
           </a:p>
@@ -13941,26 +13891,84 @@
         </p:nvSpPr>
         <p:spPr/>
         <p:txBody>
-          <a:bodyPr>
-            <a:normAutofit lnSpcReduction="10000"/>
-          </a:bodyPr>
+          <a:bodyPr/>
           <a:lstStyle/>
           <a:p>
             <a:r>
-              <a:rPr lang="en-US" altLang="zh-CN" dirty="0" smtClean="0"/>
-              <a:t>1. </a:t>
-            </a:r>
-            <a:r>
-              <a:rPr lang="zh-CN" altLang="en-US" dirty="0" smtClean="0"/>
-              <a:t>服务发现时的</a:t>
-            </a:r>
-            <a:r>
-              <a:rPr lang="en-US" altLang="zh-CN" dirty="0" smtClean="0"/>
-              <a:t>watch</a:t>
-            </a:r>
-            <a:r>
-              <a:rPr lang="zh-CN" altLang="en-US" dirty="0" smtClean="0"/>
-              <a:t>问题</a:t>
+              <a:rPr lang="zh-CN" altLang="en-US" dirty="0" smtClean="0"/>
+              <a:t>心跳间隔：</a:t>
+            </a:r>
+            <a:r>
+              <a:rPr lang="en-US" altLang="zh-CN" dirty="0" smtClean="0"/>
+              <a:t>leader</a:t>
+            </a:r>
+            <a:r>
+              <a:rPr lang="zh-CN" altLang="en-US" dirty="0" smtClean="0"/>
+              <a:t>压制</a:t>
+            </a:r>
+            <a:r>
+              <a:rPr lang="en-US" altLang="zh-CN" dirty="0" smtClean="0"/>
+              <a:t>follower</a:t>
+            </a:r>
+            <a:r>
+              <a:rPr lang="zh-CN" altLang="en-US" dirty="0" smtClean="0"/>
+              <a:t>变成</a:t>
+            </a:r>
+            <a:r>
+              <a:rPr lang="en-US" altLang="zh-CN" dirty="0" smtClean="0"/>
+              <a:t>candidate</a:t>
+            </a:r>
+            <a:r>
+              <a:rPr lang="zh-CN" altLang="en-US" dirty="0" smtClean="0"/>
+              <a:t>，</a:t>
+            </a:r>
+            <a:r>
+              <a:rPr lang="en-US" altLang="zh-CN" dirty="0" err="1" smtClean="0"/>
+              <a:t>etcd</a:t>
+            </a:r>
+            <a:r>
+              <a:rPr lang="zh-CN" altLang="en-US" dirty="0" smtClean="0"/>
+              <a:t>， </a:t>
+            </a:r>
+            <a:r>
+              <a:rPr lang="en-US" altLang="zh-CN" dirty="0" smtClean="0"/>
+              <a:t>sync</a:t>
+            </a:r>
+            <a:r>
+              <a:rPr lang="zh-CN" altLang="en-US" dirty="0" smtClean="0"/>
+              <a:t>最长</a:t>
+            </a:r>
+            <a:r>
+              <a:rPr lang="en-US" altLang="zh-CN" dirty="0" smtClean="0"/>
+              <a:t>1s. </a:t>
+            </a:r>
+            <a:r>
+              <a:rPr lang="en-US" altLang="zh-CN" dirty="0" err="1" smtClean="0"/>
+              <a:t>Etcd</a:t>
+            </a:r>
+            <a:r>
+              <a:rPr lang="zh-CN" altLang="en-US" dirty="0" smtClean="0"/>
+              <a:t>为了提高吞吐量，将集群同步数据打包（</a:t>
+            </a:r>
+            <a:r>
+              <a:rPr lang="en-US" altLang="zh-CN" dirty="0" smtClean="0"/>
+              <a:t>batch request</a:t>
+            </a:r>
+            <a:r>
+              <a:rPr lang="zh-CN" altLang="en-US" dirty="0" smtClean="0"/>
+              <a:t>）</a:t>
+            </a:r>
+            <a:r>
+              <a:rPr lang="en-US" altLang="zh-CN" dirty="0" smtClean="0"/>
+              <a:t>,</a:t>
+            </a:r>
+            <a:r>
+              <a:rPr lang="zh-CN" altLang="en-US" dirty="0"/>
+              <a:t>放</a:t>
+            </a:r>
+            <a:r>
+              <a:rPr lang="zh-CN" altLang="en-US" dirty="0" smtClean="0"/>
+              <a:t>到心跳报文中实现集群数据同步。</a:t>
             </a:r>
             <a:endParaRPr lang="en-US" altLang="zh-CN" dirty="0" smtClean="0"/>
           </a:p>
@@ -13969,12 +13977,24 @@
           </a:p>
           <a:p>
             <a:r>
-              <a:rPr lang="en-US" altLang="zh-CN" dirty="0" smtClean="0"/>
-              <a:t>2. TTL</a:t>
-            </a:r>
-            <a:r>
-              <a:rPr lang="zh-CN" altLang="en-US" dirty="0" smtClean="0"/>
-              <a:t>在集群中的实现问题</a:t>
+              <a:rPr lang="zh-CN" altLang="en-US" dirty="0" smtClean="0"/>
+              <a:t>选举超时：太长则可能长时间无</a:t>
+            </a:r>
+            <a:r>
+              <a:rPr lang="en-US" altLang="zh-CN" dirty="0" smtClean="0"/>
+              <a:t>leader</a:t>
+            </a:r>
+            <a:r>
+              <a:rPr lang="zh-CN" altLang="en-US" dirty="0" smtClean="0"/>
+              <a:t>，太短</a:t>
+            </a:r>
+            <a:r>
+              <a:rPr lang="en-US" altLang="zh-CN" dirty="0" smtClean="0"/>
+              <a:t>leader</a:t>
+            </a:r>
+            <a:r>
+              <a:rPr lang="zh-CN" altLang="en-US" dirty="0" smtClean="0"/>
+              <a:t>切换平凡</a:t>
             </a:r>
             <a:endParaRPr lang="en-US" altLang="zh-CN" dirty="0" smtClean="0"/>
           </a:p>
@@ -13983,67 +14003,20 @@
           </a:p>
           <a:p>
             <a:r>
-              <a:rPr lang="en-US" altLang="zh-CN" dirty="0" smtClean="0"/>
-              <a:t>3. </a:t>
-            </a:r>
-            <a:r>
-              <a:rPr lang="zh-CN" altLang="en-US" dirty="0" smtClean="0"/>
-              <a:t>在集群状态变化（选举）过程中的对外服务</a:t>
-            </a:r>
-            <a:endParaRPr lang="en-US" altLang="zh-CN" dirty="0" smtClean="0"/>
-          </a:p>
-          <a:p>
-            <a:endParaRPr lang="en-US" altLang="zh-CN" dirty="0"/>
-          </a:p>
-          <a:p>
-            <a:r>
-              <a:rPr lang="en-US" altLang="zh-CN" dirty="0" smtClean="0"/>
-              <a:t>4. </a:t>
-            </a:r>
-            <a:r>
-              <a:rPr lang="zh-CN" altLang="en-US" dirty="0" smtClean="0"/>
-              <a:t>服务发现实现的</a:t>
-            </a:r>
-            <a:r>
-              <a:rPr lang="en-US" altLang="zh-CN" dirty="0" smtClean="0"/>
-              <a:t>time wait</a:t>
-            </a:r>
-            <a:r>
-              <a:rPr lang="zh-CN" altLang="en-US" dirty="0" smtClean="0"/>
-              <a:t>问题</a:t>
-            </a:r>
-            <a:endParaRPr lang="en-US" altLang="zh-CN" dirty="0" smtClean="0"/>
-          </a:p>
-          <a:p>
-            <a:endParaRPr lang="en-US" altLang="zh-CN" dirty="0"/>
-          </a:p>
-          <a:p>
-            <a:r>
-              <a:rPr lang="en-US" altLang="zh-CN" dirty="0" smtClean="0"/>
-              <a:t>5. </a:t>
-            </a:r>
-            <a:r>
-              <a:rPr lang="zh-CN" altLang="en-US" dirty="0" smtClean="0"/>
-              <a:t>删除一个失效的节点</a:t>
-            </a:r>
-            <a:endParaRPr lang="en-US" altLang="zh-CN" dirty="0" smtClean="0"/>
-          </a:p>
-          <a:p>
-            <a:endParaRPr lang="en-US" altLang="zh-CN" dirty="0"/>
-          </a:p>
-          <a:p>
-            <a:r>
-              <a:rPr lang="en-US" altLang="zh-CN" dirty="0"/>
-              <a:t>6</a:t>
-            </a:r>
-            <a:r>
-              <a:rPr lang="en-US" altLang="zh-CN" dirty="0" smtClean="0"/>
-              <a:t>. </a:t>
-            </a:r>
-            <a:r>
-              <a:rPr lang="zh-CN" altLang="en-US" dirty="0" smtClean="0"/>
-              <a:t>代码阅读</a:t>
-            </a:r>
+              <a:rPr lang="zh-CN" altLang="en-US" dirty="0" smtClean="0"/>
+              <a:t>快照触发条件：</a:t>
+            </a:r>
+            <a:r>
+              <a:rPr lang="zh-CN" altLang="en-US" dirty="0"/>
+              <a:t>根</a:t>
+            </a:r>
+            <a:r>
+              <a:rPr lang="zh-CN" altLang="en-US" dirty="0" smtClean="0"/>
+              <a:t>据写请求并发量调整</a:t>
+            </a:r>
+            <a:endParaRPr lang="en-US" altLang="zh-CN" dirty="0" smtClean="0"/>
+          </a:p>
+          <a:p>
             <a:endParaRPr lang="zh-CN" altLang="en-US" dirty="0"/>
           </a:p>
         </p:txBody>
@@ -14051,7 +14024,7 @@
     </p:spTree>
     <p:extLst>
       <p:ext uri="{BB962C8B-B14F-4D97-AF65-F5344CB8AC3E}">
-        <p14:creationId xmlns:p14="http://schemas.microsoft.com/office/powerpoint/2010/main" val="1161390169"/>
+        <p14:creationId xmlns:p14="http://schemas.microsoft.com/office/powerpoint/2010/main" val="2423374417"/>
       </p:ext>
     </p:extLst>
   </p:cSld>
@@ -14095,23 +14068,18 @@
             <p:ph type="title"/>
           </p:nvPr>
         </p:nvSpPr>
-        <p:spPr>
-          <a:xfrm>
-            <a:off x="611560" y="0"/>
-            <a:ext cx="7924800" cy="1143000"/>
-          </a:xfrm>
-        </p:spPr>
+        <p:spPr/>
         <p:txBody>
           <a:bodyPr/>
           <a:lstStyle/>
           <a:p>
             <a:r>
-              <a:rPr lang="en-US" altLang="zh-CN" dirty="0" err="1" smtClean="0"/>
-              <a:t>Etcd</a:t>
-            </a:r>
-            <a:r>
-              <a:rPr lang="en-US" altLang="zh-CN" dirty="0" smtClean="0"/>
-              <a:t> ecosystem</a:t>
+              <a:rPr lang="en-US" altLang="zh-CN" dirty="0" smtClean="0"/>
+              <a:t>ETCD</a:t>
+            </a:r>
+            <a:r>
+              <a:rPr lang="zh-CN" altLang="en-US" dirty="0" smtClean="0"/>
+              <a:t>使用过程的的一些问题</a:t>
             </a:r>
             <a:endParaRPr lang="zh-CN" altLang="en-US" dirty="0"/>
           </a:p>
@@ -14127,572 +14095,111 @@
             <p:ph sz="quarter" idx="13"/>
           </p:nvPr>
         </p:nvSpPr>
-        <p:spPr>
-          <a:xfrm>
-            <a:off x="609600" y="1124744"/>
-            <a:ext cx="7924800" cy="5112568"/>
-          </a:xfrm>
-        </p:spPr>
+        <p:spPr/>
         <p:txBody>
           <a:bodyPr>
-            <a:normAutofit fontScale="62500" lnSpcReduction="20000"/>
+            <a:normAutofit lnSpcReduction="10000"/>
           </a:bodyPr>
           <a:lstStyle/>
           <a:p>
             <a:r>
-              <a:rPr lang="en-US" altLang="zh-CN" b="1" dirty="0"/>
-              <a:t>Projects using </a:t>
-            </a:r>
-            <a:r>
-              <a:rPr lang="en-US" altLang="zh-CN" b="1" dirty="0" err="1"/>
-              <a:t>etcd</a:t>
-            </a:r>
+              <a:rPr lang="en-US" altLang="zh-CN" dirty="0" smtClean="0"/>
+              <a:t>1. </a:t>
+            </a:r>
+            <a:r>
+              <a:rPr lang="zh-CN" altLang="en-US" dirty="0" smtClean="0"/>
+              <a:t>服务发现时的</a:t>
+            </a:r>
+            <a:r>
+              <a:rPr lang="en-US" altLang="zh-CN" dirty="0" smtClean="0"/>
+              <a:t>watch</a:t>
+            </a:r>
+            <a:r>
+              <a:rPr lang="zh-CN" altLang="en-US" dirty="0" smtClean="0"/>
+              <a:t>问题</a:t>
+            </a:r>
+            <a:endParaRPr lang="en-US" altLang="zh-CN" dirty="0" smtClean="0"/>
+          </a:p>
+          <a:p>
             <a:endParaRPr lang="en-US" altLang="zh-CN" dirty="0"/>
           </a:p>
           <a:p>
             <a:r>
-              <a:rPr lang="en-US" altLang="zh-CN" dirty="0" err="1">
-                <a:hlinkClick r:id="rId2"/>
-              </a:rPr>
-              <a:t>binocarlos</a:t>
-            </a:r>
-            <a:r>
-              <a:rPr lang="en-US" altLang="zh-CN" dirty="0">
-                <a:hlinkClick r:id="rId2"/>
-              </a:rPr>
-              <a:t>/</a:t>
-            </a:r>
-            <a:r>
-              <a:rPr lang="en-US" altLang="zh-CN" dirty="0" err="1">
-                <a:hlinkClick r:id="rId2"/>
-              </a:rPr>
-              <a:t>yoda</a:t>
-            </a:r>
-            <a:r>
-              <a:rPr lang="en-US" altLang="zh-CN" dirty="0"/>
-              <a:t> - </a:t>
-            </a:r>
-            <a:r>
-              <a:rPr lang="en-US" altLang="zh-CN" dirty="0" err="1"/>
-              <a:t>etcd</a:t>
-            </a:r>
-            <a:r>
-              <a:rPr lang="en-US" altLang="zh-CN" dirty="0"/>
-              <a:t> + </a:t>
-            </a:r>
-            <a:r>
-              <a:rPr lang="en-US" altLang="zh-CN" dirty="0" err="1"/>
-              <a:t>ZeroMQ</a:t>
-            </a:r>
+              <a:rPr lang="en-US" altLang="zh-CN" dirty="0" smtClean="0"/>
+              <a:t>2. TTL</a:t>
+            </a:r>
+            <a:r>
+              <a:rPr lang="zh-CN" altLang="en-US" dirty="0" smtClean="0"/>
+              <a:t>在集群中的实现问题</a:t>
+            </a:r>
+            <a:endParaRPr lang="en-US" altLang="zh-CN" dirty="0" smtClean="0"/>
+          </a:p>
+          <a:p>
             <a:endParaRPr lang="en-US" altLang="zh-CN" dirty="0"/>
           </a:p>
           <a:p>
             <a:r>
-              <a:rPr lang="en-US" altLang="zh-CN" dirty="0" err="1">
-                <a:hlinkClick r:id="rId3"/>
-              </a:rPr>
-              <a:t>calavera</a:t>
-            </a:r>
-            <a:r>
-              <a:rPr lang="en-US" altLang="zh-CN" dirty="0">
-                <a:hlinkClick r:id="rId3"/>
-              </a:rPr>
-              <a:t>/active-proxy</a:t>
-            </a:r>
-            <a:r>
-              <a:rPr lang="en-US" altLang="zh-CN" dirty="0"/>
-              <a:t> - HTTP Proxy configured with </a:t>
-            </a:r>
-            <a:r>
-              <a:rPr lang="en-US" altLang="zh-CN" dirty="0" err="1"/>
-              <a:t>etcd</a:t>
-            </a:r>
+              <a:rPr lang="en-US" altLang="zh-CN" dirty="0" smtClean="0"/>
+              <a:t>3. </a:t>
+            </a:r>
+            <a:r>
+              <a:rPr lang="zh-CN" altLang="en-US" dirty="0" smtClean="0"/>
+              <a:t>在集群状态变化（选举）过程中的对外服务</a:t>
+            </a:r>
+            <a:endParaRPr lang="en-US" altLang="zh-CN" dirty="0" smtClean="0"/>
+          </a:p>
+          <a:p>
             <a:endParaRPr lang="en-US" altLang="zh-CN" dirty="0"/>
           </a:p>
           <a:p>
             <a:r>
-              <a:rPr lang="en-US" altLang="zh-CN" dirty="0" err="1">
-                <a:hlinkClick r:id="rId4"/>
-              </a:rPr>
-              <a:t>derekchiang</a:t>
-            </a:r>
-            <a:r>
-              <a:rPr lang="en-US" altLang="zh-CN" dirty="0">
-                <a:hlinkClick r:id="rId4"/>
-              </a:rPr>
-              <a:t>/</a:t>
-            </a:r>
-            <a:r>
-              <a:rPr lang="en-US" altLang="zh-CN" dirty="0" err="1">
-                <a:hlinkClick r:id="rId4"/>
-              </a:rPr>
-              <a:t>etcdplus</a:t>
-            </a:r>
-            <a:r>
-              <a:rPr lang="en-US" altLang="zh-CN" dirty="0"/>
-              <a:t> - A set of distributed synchronization primitives built upon </a:t>
-            </a:r>
-            <a:r>
-              <a:rPr lang="en-US" altLang="zh-CN" dirty="0" err="1"/>
-              <a:t>etcd</a:t>
-            </a:r>
+              <a:rPr lang="en-US" altLang="zh-CN" dirty="0" smtClean="0"/>
+              <a:t>4. </a:t>
+            </a:r>
+            <a:r>
+              <a:rPr lang="zh-CN" altLang="en-US" dirty="0" smtClean="0"/>
+              <a:t>服务发现实现的</a:t>
+            </a:r>
+            <a:r>
+              <a:rPr lang="en-US" altLang="zh-CN" dirty="0" smtClean="0"/>
+              <a:t>time wait</a:t>
+            </a:r>
+            <a:r>
+              <a:rPr lang="zh-CN" altLang="en-US" dirty="0" smtClean="0"/>
+              <a:t>问题</a:t>
+            </a:r>
+            <a:endParaRPr lang="en-US" altLang="zh-CN" dirty="0" smtClean="0"/>
+          </a:p>
+          <a:p>
             <a:endParaRPr lang="en-US" altLang="zh-CN" dirty="0"/>
           </a:p>
           <a:p>
             <a:r>
-              <a:rPr lang="en-US" altLang="zh-CN" dirty="0">
-                <a:hlinkClick r:id="rId5"/>
-              </a:rPr>
-              <a:t>go-discover</a:t>
-            </a:r>
-            <a:r>
-              <a:rPr lang="en-US" altLang="zh-CN" dirty="0"/>
-              <a:t> - service discovery in Go</a:t>
-            </a:r>
-          </a:p>
-          <a:p>
-            <a:r>
-              <a:rPr lang="en-US" altLang="zh-CN" dirty="0" err="1">
-                <a:hlinkClick r:id="rId6"/>
-              </a:rPr>
-              <a:t>gleicon</a:t>
-            </a:r>
-            <a:r>
-              <a:rPr lang="en-US" altLang="zh-CN" dirty="0">
-                <a:hlinkClick r:id="rId6"/>
-              </a:rPr>
-              <a:t>/</a:t>
-            </a:r>
-            <a:r>
-              <a:rPr lang="en-US" altLang="zh-CN" dirty="0" err="1">
-                <a:hlinkClick r:id="rId6"/>
-              </a:rPr>
-              <a:t>goreman</a:t>
-            </a:r>
-            <a:r>
-              <a:rPr lang="en-US" altLang="zh-CN" dirty="0"/>
-              <a:t> - Branch of the Go Foreman clone with </a:t>
-            </a:r>
-            <a:r>
-              <a:rPr lang="en-US" altLang="zh-CN" dirty="0" err="1"/>
-              <a:t>etcd</a:t>
-            </a:r>
-            <a:r>
-              <a:rPr lang="en-US" altLang="zh-CN" dirty="0"/>
-              <a:t> support</a:t>
-            </a:r>
-          </a:p>
-          <a:p>
-            <a:r>
-              <a:rPr lang="en-US" altLang="zh-CN" dirty="0" err="1">
-                <a:hlinkClick r:id="rId7"/>
-              </a:rPr>
-              <a:t>garethr</a:t>
-            </a:r>
-            <a:r>
-              <a:rPr lang="en-US" altLang="zh-CN" dirty="0">
-                <a:hlinkClick r:id="rId7"/>
-              </a:rPr>
-              <a:t>/</a:t>
-            </a:r>
-            <a:r>
-              <a:rPr lang="en-US" altLang="zh-CN" dirty="0" err="1">
-                <a:hlinkClick r:id="rId7"/>
-              </a:rPr>
-              <a:t>hiera-etcd</a:t>
-            </a:r>
-            <a:r>
-              <a:rPr lang="en-US" altLang="zh-CN" dirty="0"/>
-              <a:t> - Puppet </a:t>
-            </a:r>
-            <a:r>
-              <a:rPr lang="en-US" altLang="zh-CN" dirty="0" err="1"/>
-              <a:t>hiera</a:t>
-            </a:r>
-            <a:r>
-              <a:rPr lang="en-US" altLang="zh-CN" dirty="0"/>
-              <a:t> backend using </a:t>
-            </a:r>
-            <a:r>
-              <a:rPr lang="en-US" altLang="zh-CN" dirty="0" err="1"/>
-              <a:t>etcd</a:t>
-            </a:r>
+              <a:rPr lang="en-US" altLang="zh-CN" dirty="0" smtClean="0"/>
+              <a:t>5. </a:t>
+            </a:r>
+            <a:r>
+              <a:rPr lang="zh-CN" altLang="en-US" dirty="0" smtClean="0"/>
+              <a:t>删除一个失效的节点</a:t>
+            </a:r>
+            <a:endParaRPr lang="en-US" altLang="zh-CN" dirty="0" smtClean="0"/>
+          </a:p>
+          <a:p>
             <a:endParaRPr lang="en-US" altLang="zh-CN" dirty="0"/>
           </a:p>
           <a:p>
             <a:r>
-              <a:rPr lang="en-US" altLang="zh-CN" dirty="0" err="1">
-                <a:hlinkClick r:id="rId8"/>
-              </a:rPr>
-              <a:t>mattn</a:t>
-            </a:r>
-            <a:r>
-              <a:rPr lang="en-US" altLang="zh-CN" dirty="0">
-                <a:hlinkClick r:id="rId8"/>
-              </a:rPr>
-              <a:t>/</a:t>
-            </a:r>
-            <a:r>
-              <a:rPr lang="en-US" altLang="zh-CN" dirty="0" err="1">
-                <a:hlinkClick r:id="rId8"/>
-              </a:rPr>
-              <a:t>etcd</a:t>
-            </a:r>
-            <a:r>
-              <a:rPr lang="en-US" altLang="zh-CN" dirty="0">
-                <a:hlinkClick r:id="rId8"/>
-              </a:rPr>
-              <a:t>-vim</a:t>
-            </a:r>
-            <a:r>
-              <a:rPr lang="en-US" altLang="zh-CN" dirty="0"/>
-              <a:t> - SET and GET keys from inside vim</a:t>
-            </a:r>
-          </a:p>
-          <a:p>
-            <a:r>
-              <a:rPr lang="en-US" altLang="zh-CN" dirty="0" err="1">
-                <a:hlinkClick r:id="rId9"/>
-              </a:rPr>
-              <a:t>mattn</a:t>
-            </a:r>
-            <a:r>
-              <a:rPr lang="en-US" altLang="zh-CN" dirty="0">
-                <a:hlinkClick r:id="rId9"/>
-              </a:rPr>
-              <a:t>/</a:t>
-            </a:r>
-            <a:r>
-              <a:rPr lang="en-US" altLang="zh-CN" dirty="0" err="1">
-                <a:hlinkClick r:id="rId9"/>
-              </a:rPr>
-              <a:t>etcdenv</a:t>
-            </a:r>
-            <a:r>
-              <a:rPr lang="en-US" altLang="zh-CN" dirty="0"/>
-              <a:t> - "</a:t>
-            </a:r>
-            <a:r>
-              <a:rPr lang="en-US" altLang="zh-CN" dirty="0" err="1"/>
-              <a:t>env</a:t>
-            </a:r>
-            <a:r>
-              <a:rPr lang="en-US" altLang="zh-CN" dirty="0"/>
-              <a:t>" shebang with </a:t>
-            </a:r>
-            <a:r>
-              <a:rPr lang="en-US" altLang="zh-CN" dirty="0" err="1"/>
-              <a:t>etcd</a:t>
-            </a:r>
-            <a:r>
-              <a:rPr lang="en-US" altLang="zh-CN" dirty="0"/>
-              <a:t> integration</a:t>
-            </a:r>
-          </a:p>
-          <a:p>
-            <a:r>
-              <a:rPr lang="en-US" altLang="zh-CN" dirty="0" err="1">
-                <a:hlinkClick r:id="rId10"/>
-              </a:rPr>
-              <a:t>kelseyhightower</a:t>
-            </a:r>
-            <a:r>
-              <a:rPr lang="en-US" altLang="zh-CN" dirty="0">
-                <a:hlinkClick r:id="rId10"/>
-              </a:rPr>
-              <a:t>/</a:t>
-            </a:r>
-            <a:r>
-              <a:rPr lang="en-US" altLang="zh-CN" dirty="0" err="1">
-                <a:hlinkClick r:id="rId10"/>
-              </a:rPr>
-              <a:t>confd</a:t>
-            </a:r>
-            <a:r>
-              <a:rPr lang="en-US" altLang="zh-CN" dirty="0"/>
-              <a:t> - Manage local app </a:t>
-            </a:r>
-            <a:r>
-              <a:rPr lang="en-US" altLang="zh-CN" dirty="0" err="1"/>
-              <a:t>config</a:t>
-            </a:r>
-            <a:r>
-              <a:rPr lang="en-US" altLang="zh-CN" dirty="0"/>
-              <a:t> files using templates and data from </a:t>
-            </a:r>
-            <a:r>
-              <a:rPr lang="en-US" altLang="zh-CN" dirty="0" err="1"/>
-              <a:t>etcd</a:t>
-            </a:r>
-            <a:endParaRPr lang="en-US" altLang="zh-CN" dirty="0"/>
-          </a:p>
-          <a:p>
-            <a:r>
-              <a:rPr lang="en-US" altLang="zh-CN" dirty="0" err="1">
-                <a:hlinkClick r:id="rId11"/>
-              </a:rPr>
-              <a:t>configdb</a:t>
-            </a:r>
-            <a:r>
-              <a:rPr lang="en-US" altLang="zh-CN" dirty="0"/>
-              <a:t> - A REST relational abstraction on top of arbitrary database </a:t>
-            </a:r>
-            <a:r>
-              <a:rPr lang="en-US" altLang="zh-CN" dirty="0" err="1"/>
-              <a:t>backends</a:t>
-            </a:r>
-            <a:r>
-              <a:rPr lang="en-US" altLang="zh-CN" dirty="0"/>
-              <a:t>, aimed at storing </a:t>
-            </a:r>
-            <a:r>
-              <a:rPr lang="en-US" altLang="zh-CN" dirty="0" err="1"/>
-              <a:t>configs</a:t>
-            </a:r>
-            <a:r>
-              <a:rPr lang="en-US" altLang="zh-CN" dirty="0"/>
-              <a:t> and inventories.</a:t>
-            </a:r>
-          </a:p>
-          <a:p>
-            <a:r>
-              <a:rPr lang="en-US" altLang="zh-CN" dirty="0" err="1">
-                <a:hlinkClick r:id="rId12"/>
-              </a:rPr>
-              <a:t>scrz</a:t>
-            </a:r>
-            <a:r>
-              <a:rPr lang="en-US" altLang="zh-CN" dirty="0"/>
-              <a:t> - Container manager, stores configuration in </a:t>
-            </a:r>
-            <a:r>
-              <a:rPr lang="en-US" altLang="zh-CN" dirty="0" err="1"/>
-              <a:t>etcd</a:t>
-            </a:r>
-            <a:r>
-              <a:rPr lang="en-US" altLang="zh-CN" dirty="0"/>
-              <a:t>.</a:t>
-            </a:r>
-          </a:p>
-          <a:p>
-            <a:r>
-              <a:rPr lang="en-US" altLang="zh-CN" dirty="0">
-                <a:hlinkClick r:id="rId13"/>
-              </a:rPr>
-              <a:t>fleet</a:t>
-            </a:r>
-            <a:r>
-              <a:rPr lang="en-US" altLang="zh-CN" dirty="0"/>
-              <a:t> - Distributed </a:t>
-            </a:r>
-            <a:r>
-              <a:rPr lang="en-US" altLang="zh-CN" dirty="0" err="1"/>
-              <a:t>init</a:t>
-            </a:r>
-            <a:r>
-              <a:rPr lang="en-US" altLang="zh-CN" dirty="0"/>
-              <a:t> system</a:t>
-            </a:r>
-          </a:p>
-          <a:p>
-            <a:r>
-              <a:rPr lang="en-US" altLang="zh-CN" dirty="0" err="1">
-                <a:hlinkClick r:id="rId14"/>
-              </a:rPr>
-              <a:t>GoogleCloudPlatform</a:t>
-            </a:r>
-            <a:r>
-              <a:rPr lang="en-US" altLang="zh-CN" dirty="0">
-                <a:hlinkClick r:id="rId14"/>
-              </a:rPr>
-              <a:t>/</a:t>
-            </a:r>
-            <a:r>
-              <a:rPr lang="en-US" altLang="zh-CN" dirty="0" err="1">
-                <a:hlinkClick r:id="rId14"/>
-              </a:rPr>
-              <a:t>kubernetes</a:t>
-            </a:r>
-            <a:r>
-              <a:rPr lang="en-US" altLang="zh-CN" dirty="0"/>
-              <a:t> - Container cluster manager.</a:t>
-            </a:r>
-          </a:p>
-          <a:p>
-            <a:r>
-              <a:rPr lang="en-US" altLang="zh-CN" dirty="0" err="1">
-                <a:hlinkClick r:id="rId15"/>
-              </a:rPr>
-              <a:t>mailgun</a:t>
-            </a:r>
-            <a:r>
-              <a:rPr lang="en-US" altLang="zh-CN" dirty="0">
-                <a:hlinkClick r:id="rId15"/>
-              </a:rPr>
-              <a:t>/</a:t>
-            </a:r>
-            <a:r>
-              <a:rPr lang="en-US" altLang="zh-CN" dirty="0" err="1">
-                <a:hlinkClick r:id="rId15"/>
-              </a:rPr>
-              <a:t>vulcand</a:t>
-            </a:r>
-            <a:r>
-              <a:rPr lang="en-US" altLang="zh-CN" dirty="0"/>
-              <a:t> - HTTP proxy that uses </a:t>
-            </a:r>
-            <a:r>
-              <a:rPr lang="en-US" altLang="zh-CN" dirty="0" err="1"/>
-              <a:t>etcd</a:t>
-            </a:r>
-            <a:r>
-              <a:rPr lang="en-US" altLang="zh-CN" dirty="0"/>
-              <a:t> as a configuration backend.</a:t>
-            </a:r>
-          </a:p>
-          <a:p>
-            <a:r>
-              <a:rPr lang="en-US" altLang="zh-CN" dirty="0" err="1">
-                <a:hlinkClick r:id="rId16"/>
-              </a:rPr>
-              <a:t>duedil</a:t>
-            </a:r>
-            <a:r>
-              <a:rPr lang="en-US" altLang="zh-CN" dirty="0">
-                <a:hlinkClick r:id="rId16"/>
-              </a:rPr>
-              <a:t>-ltd/</a:t>
-            </a:r>
-            <a:r>
-              <a:rPr lang="en-US" altLang="zh-CN" dirty="0" err="1">
-                <a:hlinkClick r:id="rId16"/>
-              </a:rPr>
-              <a:t>discodns</a:t>
-            </a:r>
-            <a:r>
-              <a:rPr lang="en-US" altLang="zh-CN" dirty="0"/>
-              <a:t> - Simple DNS </a:t>
-            </a:r>
-            <a:r>
-              <a:rPr lang="en-US" altLang="zh-CN" dirty="0" err="1"/>
-              <a:t>nameserver</a:t>
-            </a:r>
-            <a:r>
-              <a:rPr lang="en-US" altLang="zh-CN" dirty="0"/>
-              <a:t> using </a:t>
-            </a:r>
-            <a:r>
-              <a:rPr lang="en-US" altLang="zh-CN" dirty="0" err="1"/>
-              <a:t>etcd</a:t>
-            </a:r>
-            <a:r>
-              <a:rPr lang="en-US" altLang="zh-CN" dirty="0"/>
-              <a:t> as a database for names and records.</a:t>
-            </a:r>
-          </a:p>
-          <a:p>
-            <a:r>
-              <a:rPr lang="en-US" altLang="zh-CN" dirty="0" err="1">
-                <a:hlinkClick r:id="rId17"/>
-              </a:rPr>
-              <a:t>skynetservices</a:t>
-            </a:r>
-            <a:r>
-              <a:rPr lang="en-US" altLang="zh-CN" dirty="0">
-                <a:hlinkClick r:id="rId17"/>
-              </a:rPr>
-              <a:t>/</a:t>
-            </a:r>
-            <a:r>
-              <a:rPr lang="en-US" altLang="zh-CN" dirty="0" err="1">
-                <a:hlinkClick r:id="rId17"/>
-              </a:rPr>
-              <a:t>skydns</a:t>
-            </a:r>
-            <a:r>
-              <a:rPr lang="en-US" altLang="zh-CN" dirty="0"/>
-              <a:t> - RFC compliant DNS server</a:t>
-            </a:r>
-          </a:p>
-          <a:p>
-            <a:r>
-              <a:rPr lang="en-US" altLang="zh-CN" dirty="0" err="1">
-                <a:hlinkClick r:id="rId18"/>
-              </a:rPr>
-              <a:t>xordataexchange</a:t>
-            </a:r>
-            <a:r>
-              <a:rPr lang="en-US" altLang="zh-CN" dirty="0">
-                <a:hlinkClick r:id="rId18"/>
-              </a:rPr>
-              <a:t>/crypt</a:t>
-            </a:r>
-            <a:r>
-              <a:rPr lang="en-US" altLang="zh-CN" dirty="0"/>
-              <a:t> - Securely store values in </a:t>
-            </a:r>
-            <a:r>
-              <a:rPr lang="en-US" altLang="zh-CN" dirty="0" err="1"/>
-              <a:t>etcd</a:t>
-            </a:r>
-            <a:r>
-              <a:rPr lang="en-US" altLang="zh-CN" dirty="0"/>
-              <a:t> using GPG encryption</a:t>
-            </a:r>
-          </a:p>
-          <a:p>
-            <a:r>
-              <a:rPr lang="en-US" altLang="zh-CN" dirty="0">
-                <a:hlinkClick r:id="rId19"/>
-              </a:rPr>
-              <a:t>spf13/viper</a:t>
-            </a:r>
-            <a:r>
-              <a:rPr lang="en-US" altLang="zh-CN" dirty="0"/>
-              <a:t> - Go configuration library, reads values from ENV, </a:t>
-            </a:r>
-            <a:r>
-              <a:rPr lang="en-US" altLang="zh-CN" dirty="0" err="1"/>
-              <a:t>pflags</a:t>
-            </a:r>
-            <a:r>
-              <a:rPr lang="en-US" altLang="zh-CN" dirty="0"/>
-              <a:t>, files, and </a:t>
-            </a:r>
-            <a:r>
-              <a:rPr lang="en-US" altLang="zh-CN" dirty="0" err="1"/>
-              <a:t>etcd</a:t>
-            </a:r>
-            <a:r>
-              <a:rPr lang="en-US" altLang="zh-CN" dirty="0"/>
-              <a:t> with optional encryption</a:t>
-            </a:r>
-          </a:p>
-          <a:p>
-            <a:r>
-              <a:rPr lang="en-US" altLang="zh-CN" dirty="0" err="1">
-                <a:hlinkClick r:id="rId20"/>
-              </a:rPr>
-              <a:t>lytics</a:t>
-            </a:r>
-            <a:r>
-              <a:rPr lang="en-US" altLang="zh-CN" dirty="0">
-                <a:hlinkClick r:id="rId20"/>
-              </a:rPr>
-              <a:t>/</a:t>
-            </a:r>
-            <a:r>
-              <a:rPr lang="en-US" altLang="zh-CN" dirty="0" err="1">
-                <a:hlinkClick r:id="rId20"/>
-              </a:rPr>
-              <a:t>metafora</a:t>
-            </a:r>
-            <a:r>
-              <a:rPr lang="en-US" altLang="zh-CN" dirty="0"/>
-              <a:t> - Go distributed task library</a:t>
-            </a:r>
-          </a:p>
-          <a:p>
+              <a:rPr lang="en-US" altLang="zh-CN" dirty="0"/>
+              <a:t>6</a:t>
+            </a:r>
+            <a:r>
+              <a:rPr lang="en-US" altLang="zh-CN" dirty="0" smtClean="0"/>
+              <a:t>. </a:t>
+            </a:r>
+            <a:r>
+              <a:rPr lang="zh-CN" altLang="en-US" dirty="0" smtClean="0"/>
+              <a:t>代码阅读</a:t>
+            </a:r>
             <a:endParaRPr lang="zh-CN" altLang="en-US" dirty="0"/>
           </a:p>
         </p:txBody>
@@ -14700,7 +14207,7 @@
     </p:spTree>
     <p:extLst>
       <p:ext uri="{BB962C8B-B14F-4D97-AF65-F5344CB8AC3E}">
-        <p14:creationId xmlns:p14="http://schemas.microsoft.com/office/powerpoint/2010/main" val="3860975255"/>
+        <p14:creationId xmlns:p14="http://schemas.microsoft.com/office/powerpoint/2010/main" val="1161390169"/>
       </p:ext>
     </p:extLst>
   </p:cSld>
@@ -14736,6 +14243,655 @@
       </p:grpSpPr>
       <p:sp>
         <p:nvSpPr>
+          <p:cNvPr id="2" name="标题 1"/>
+          <p:cNvSpPr>
+            <a:spLocks noGrp="1"/>
+          </p:cNvSpPr>
+          <p:nvPr>
+            <p:ph type="title"/>
+          </p:nvPr>
+        </p:nvSpPr>
+        <p:spPr>
+          <a:xfrm>
+            <a:off x="611560" y="0"/>
+            <a:ext cx="7924800" cy="1143000"/>
+          </a:xfrm>
+        </p:spPr>
+        <p:txBody>
+          <a:bodyPr/>
+          <a:lstStyle/>
+          <a:p>
+            <a:r>
+              <a:rPr lang="en-US" altLang="zh-CN" dirty="0" err="1" smtClean="0"/>
+              <a:t>Etcd</a:t>
+            </a:r>
+            <a:r>
+              <a:rPr lang="en-US" altLang="zh-CN" dirty="0" smtClean="0"/>
+              <a:t> ecosystem</a:t>
+            </a:r>
+            <a:endParaRPr lang="zh-CN" altLang="en-US" dirty="0"/>
+          </a:p>
+        </p:txBody>
+      </p:sp>
+      <p:sp>
+        <p:nvSpPr>
+          <p:cNvPr id="3" name="内容占位符 2"/>
+          <p:cNvSpPr>
+            <a:spLocks noGrp="1"/>
+          </p:cNvSpPr>
+          <p:nvPr>
+            <p:ph sz="quarter" idx="13"/>
+          </p:nvPr>
+        </p:nvSpPr>
+        <p:spPr>
+          <a:xfrm>
+            <a:off x="609600" y="1124744"/>
+            <a:ext cx="7924800" cy="5112568"/>
+          </a:xfrm>
+        </p:spPr>
+        <p:txBody>
+          <a:bodyPr>
+            <a:normAutofit fontScale="62500" lnSpcReduction="20000"/>
+          </a:bodyPr>
+          <a:lstStyle/>
+          <a:p>
+            <a:r>
+              <a:rPr lang="en-US" altLang="zh-CN" b="1" dirty="0"/>
+              <a:t>Projects using </a:t>
+            </a:r>
+            <a:r>
+              <a:rPr lang="en-US" altLang="zh-CN" b="1" dirty="0" err="1"/>
+              <a:t>etcd</a:t>
+            </a:r>
+            <a:endParaRPr lang="en-US" altLang="zh-CN" dirty="0"/>
+          </a:p>
+          <a:p>
+            <a:r>
+              <a:rPr lang="en-US" altLang="zh-CN" dirty="0" err="1">
+                <a:hlinkClick r:id="rId2"/>
+              </a:rPr>
+              <a:t>binocarlos</a:t>
+            </a:r>
+            <a:r>
+              <a:rPr lang="en-US" altLang="zh-CN" dirty="0">
+                <a:hlinkClick r:id="rId2"/>
+              </a:rPr>
+              <a:t>/</a:t>
+            </a:r>
+            <a:r>
+              <a:rPr lang="en-US" altLang="zh-CN" dirty="0" err="1">
+                <a:hlinkClick r:id="rId2"/>
+              </a:rPr>
+              <a:t>yoda</a:t>
+            </a:r>
+            <a:r>
+              <a:rPr lang="en-US" altLang="zh-CN" dirty="0"/>
+              <a:t> - </a:t>
+            </a:r>
+            <a:r>
+              <a:rPr lang="en-US" altLang="zh-CN" dirty="0" err="1"/>
+              <a:t>etcd</a:t>
+            </a:r>
+            <a:r>
+              <a:rPr lang="en-US" altLang="zh-CN" dirty="0"/>
+              <a:t> + </a:t>
+            </a:r>
+            <a:r>
+              <a:rPr lang="en-US" altLang="zh-CN" dirty="0" err="1"/>
+              <a:t>ZeroMQ</a:t>
+            </a:r>
+            <a:endParaRPr lang="en-US" altLang="zh-CN" dirty="0"/>
+          </a:p>
+          <a:p>
+            <a:r>
+              <a:rPr lang="en-US" altLang="zh-CN" dirty="0" err="1">
+                <a:hlinkClick r:id="rId3"/>
+              </a:rPr>
+              <a:t>calavera</a:t>
+            </a:r>
+            <a:r>
+              <a:rPr lang="en-US" altLang="zh-CN" dirty="0">
+                <a:hlinkClick r:id="rId3"/>
+              </a:rPr>
+              <a:t>/active-proxy</a:t>
+            </a:r>
+            <a:r>
+              <a:rPr lang="en-US" altLang="zh-CN" dirty="0"/>
+              <a:t> - HTTP Proxy configured with </a:t>
+            </a:r>
+            <a:r>
+              <a:rPr lang="en-US" altLang="zh-CN" dirty="0" err="1"/>
+              <a:t>etcd</a:t>
+            </a:r>
+            <a:endParaRPr lang="en-US" altLang="zh-CN" dirty="0"/>
+          </a:p>
+          <a:p>
+            <a:r>
+              <a:rPr lang="en-US" altLang="zh-CN" dirty="0" err="1">
+                <a:hlinkClick r:id="rId4"/>
+              </a:rPr>
+              <a:t>derekchiang</a:t>
+            </a:r>
+            <a:r>
+              <a:rPr lang="en-US" altLang="zh-CN" dirty="0">
+                <a:hlinkClick r:id="rId4"/>
+              </a:rPr>
+              <a:t>/</a:t>
+            </a:r>
+            <a:r>
+              <a:rPr lang="en-US" altLang="zh-CN" dirty="0" err="1">
+                <a:hlinkClick r:id="rId4"/>
+              </a:rPr>
+              <a:t>etcdplus</a:t>
+            </a:r>
+            <a:r>
+              <a:rPr lang="en-US" altLang="zh-CN" dirty="0"/>
+              <a:t> - A set of distributed synchronization primitives built upon </a:t>
+            </a:r>
+            <a:r>
+              <a:rPr lang="en-US" altLang="zh-CN" dirty="0" err="1"/>
+              <a:t>etcd</a:t>
+            </a:r>
+            <a:endParaRPr lang="en-US" altLang="zh-CN" dirty="0"/>
+          </a:p>
+          <a:p>
+            <a:r>
+              <a:rPr lang="en-US" altLang="zh-CN" dirty="0">
+                <a:hlinkClick r:id="rId5"/>
+              </a:rPr>
+              <a:t>go-discover</a:t>
+            </a:r>
+            <a:r>
+              <a:rPr lang="en-US" altLang="zh-CN" dirty="0"/>
+              <a:t> - service discovery in Go</a:t>
+            </a:r>
+          </a:p>
+          <a:p>
+            <a:r>
+              <a:rPr lang="en-US" altLang="zh-CN" dirty="0" err="1">
+                <a:hlinkClick r:id="rId6"/>
+              </a:rPr>
+              <a:t>gleicon</a:t>
+            </a:r>
+            <a:r>
+              <a:rPr lang="en-US" altLang="zh-CN" dirty="0">
+                <a:hlinkClick r:id="rId6"/>
+              </a:rPr>
+              <a:t>/</a:t>
+            </a:r>
+            <a:r>
+              <a:rPr lang="en-US" altLang="zh-CN" dirty="0" err="1">
+                <a:hlinkClick r:id="rId6"/>
+              </a:rPr>
+              <a:t>goreman</a:t>
+            </a:r>
+            <a:r>
+              <a:rPr lang="en-US" altLang="zh-CN" dirty="0"/>
+              <a:t> - Branch of the Go Foreman clone with </a:t>
+            </a:r>
+            <a:r>
+              <a:rPr lang="en-US" altLang="zh-CN" dirty="0" err="1"/>
+              <a:t>etcd</a:t>
+            </a:r>
+            <a:r>
+              <a:rPr lang="en-US" altLang="zh-CN" dirty="0"/>
+              <a:t> support</a:t>
+            </a:r>
+          </a:p>
+          <a:p>
+            <a:r>
+              <a:rPr lang="en-US" altLang="zh-CN" dirty="0" err="1">
+                <a:hlinkClick r:id="rId7"/>
+              </a:rPr>
+              <a:t>garethr</a:t>
+            </a:r>
+            <a:r>
+              <a:rPr lang="en-US" altLang="zh-CN" dirty="0">
+                <a:hlinkClick r:id="rId7"/>
+              </a:rPr>
+              <a:t>/</a:t>
+            </a:r>
+            <a:r>
+              <a:rPr lang="en-US" altLang="zh-CN" dirty="0" err="1">
+                <a:hlinkClick r:id="rId7"/>
+              </a:rPr>
+              <a:t>hiera-etcd</a:t>
+            </a:r>
+            <a:r>
+              <a:rPr lang="en-US" altLang="zh-CN" dirty="0"/>
+              <a:t> - Puppet </a:t>
+            </a:r>
+            <a:r>
+              <a:rPr lang="en-US" altLang="zh-CN" dirty="0" err="1"/>
+              <a:t>hiera</a:t>
+            </a:r>
+            <a:r>
+              <a:rPr lang="en-US" altLang="zh-CN" dirty="0"/>
+              <a:t> backend using </a:t>
+            </a:r>
+            <a:r>
+              <a:rPr lang="en-US" altLang="zh-CN" dirty="0" err="1"/>
+              <a:t>etcd</a:t>
+            </a:r>
+            <a:endParaRPr lang="en-US" altLang="zh-CN" dirty="0"/>
+          </a:p>
+          <a:p>
+            <a:r>
+              <a:rPr lang="en-US" altLang="zh-CN" dirty="0" err="1">
+                <a:hlinkClick r:id="rId8"/>
+              </a:rPr>
+              <a:t>mattn</a:t>
+            </a:r>
+            <a:r>
+              <a:rPr lang="en-US" altLang="zh-CN" dirty="0">
+                <a:hlinkClick r:id="rId8"/>
+              </a:rPr>
+              <a:t>/</a:t>
+            </a:r>
+            <a:r>
+              <a:rPr lang="en-US" altLang="zh-CN" dirty="0" err="1">
+                <a:hlinkClick r:id="rId8"/>
+              </a:rPr>
+              <a:t>etcd</a:t>
+            </a:r>
+            <a:r>
+              <a:rPr lang="en-US" altLang="zh-CN" dirty="0">
+                <a:hlinkClick r:id="rId8"/>
+              </a:rPr>
+              <a:t>-vim</a:t>
+            </a:r>
+            <a:r>
+              <a:rPr lang="en-US" altLang="zh-CN" dirty="0"/>
+              <a:t> - SET and GET keys from inside vim</a:t>
+            </a:r>
+          </a:p>
+          <a:p>
+            <a:r>
+              <a:rPr lang="en-US" altLang="zh-CN" dirty="0" err="1">
+                <a:hlinkClick r:id="rId9"/>
+              </a:rPr>
+              <a:t>mattn</a:t>
+            </a:r>
+            <a:r>
+              <a:rPr lang="en-US" altLang="zh-CN" dirty="0">
+                <a:hlinkClick r:id="rId9"/>
+              </a:rPr>
+              <a:t>/</a:t>
+            </a:r>
+            <a:r>
+              <a:rPr lang="en-US" altLang="zh-CN" dirty="0" err="1">
+                <a:hlinkClick r:id="rId9"/>
+              </a:rPr>
+              <a:t>etcdenv</a:t>
+            </a:r>
+            <a:r>
+              <a:rPr lang="en-US" altLang="zh-CN" dirty="0"/>
+              <a:t> - "</a:t>
+            </a:r>
+            <a:r>
+              <a:rPr lang="en-US" altLang="zh-CN" dirty="0" err="1"/>
+              <a:t>env</a:t>
+            </a:r>
+            <a:r>
+              <a:rPr lang="en-US" altLang="zh-CN" dirty="0"/>
+              <a:t>" shebang with </a:t>
+            </a:r>
+            <a:r>
+              <a:rPr lang="en-US" altLang="zh-CN" dirty="0" err="1"/>
+              <a:t>etcd</a:t>
+            </a:r>
+            <a:r>
+              <a:rPr lang="en-US" altLang="zh-CN" dirty="0"/>
+              <a:t> integration</a:t>
+            </a:r>
+          </a:p>
+          <a:p>
+            <a:r>
+              <a:rPr lang="en-US" altLang="zh-CN" dirty="0" err="1">
+                <a:hlinkClick r:id="rId10"/>
+              </a:rPr>
+              <a:t>kelseyhightower</a:t>
+            </a:r>
+            <a:r>
+              <a:rPr lang="en-US" altLang="zh-CN" dirty="0">
+                <a:hlinkClick r:id="rId10"/>
+              </a:rPr>
+              <a:t>/</a:t>
+            </a:r>
+            <a:r>
+              <a:rPr lang="en-US" altLang="zh-CN" dirty="0" err="1">
+                <a:hlinkClick r:id="rId10"/>
+              </a:rPr>
+              <a:t>confd</a:t>
+            </a:r>
+            <a:r>
+              <a:rPr lang="en-US" altLang="zh-CN" dirty="0"/>
+              <a:t> - Manage local app </a:t>
+            </a:r>
+            <a:r>
+              <a:rPr lang="en-US" altLang="zh-CN" dirty="0" err="1"/>
+              <a:t>config</a:t>
+            </a:r>
+            <a:r>
+              <a:rPr lang="en-US" altLang="zh-CN" dirty="0"/>
+              <a:t> files using templates and data from </a:t>
+            </a:r>
+            <a:r>
+              <a:rPr lang="en-US" altLang="zh-CN" dirty="0" err="1"/>
+              <a:t>etcd</a:t>
+            </a:r>
+            <a:endParaRPr lang="en-US" altLang="zh-CN" dirty="0"/>
+          </a:p>
+          <a:p>
+            <a:r>
+              <a:rPr lang="en-US" altLang="zh-CN" dirty="0" err="1">
+                <a:hlinkClick r:id="rId11"/>
+              </a:rPr>
+              <a:t>configdb</a:t>
+            </a:r>
+            <a:r>
+              <a:rPr lang="en-US" altLang="zh-CN" dirty="0"/>
+              <a:t> - A REST relational abstraction on top of arbitrary database </a:t>
+            </a:r>
+            <a:r>
+              <a:rPr lang="en-US" altLang="zh-CN" dirty="0" err="1"/>
+              <a:t>backends</a:t>
+            </a:r>
+            <a:r>
+              <a:rPr lang="en-US" altLang="zh-CN" dirty="0"/>
+              <a:t>, aimed at storing </a:t>
+            </a:r>
+            <a:r>
+              <a:rPr lang="en-US" altLang="zh-CN" dirty="0" err="1"/>
+              <a:t>configs</a:t>
+            </a:r>
+            <a:r>
+              <a:rPr lang="en-US" altLang="zh-CN" dirty="0"/>
+              <a:t> and inventories.</a:t>
+            </a:r>
+          </a:p>
+          <a:p>
+            <a:r>
+              <a:rPr lang="en-US" altLang="zh-CN" dirty="0" err="1">
+                <a:hlinkClick r:id="rId12"/>
+              </a:rPr>
+              <a:t>scrz</a:t>
+            </a:r>
+            <a:r>
+              <a:rPr lang="en-US" altLang="zh-CN" dirty="0"/>
+              <a:t> - Container manager, stores configuration in </a:t>
+            </a:r>
+            <a:r>
+              <a:rPr lang="en-US" altLang="zh-CN" dirty="0" err="1"/>
+              <a:t>etcd</a:t>
+            </a:r>
+            <a:r>
+              <a:rPr lang="en-US" altLang="zh-CN" dirty="0"/>
+              <a:t>.</a:t>
+            </a:r>
+          </a:p>
+          <a:p>
+            <a:r>
+              <a:rPr lang="en-US" altLang="zh-CN" dirty="0">
+                <a:hlinkClick r:id="rId13"/>
+              </a:rPr>
+              <a:t>fleet</a:t>
+            </a:r>
+            <a:r>
+              <a:rPr lang="en-US" altLang="zh-CN" dirty="0"/>
+              <a:t> - Distributed </a:t>
+            </a:r>
+            <a:r>
+              <a:rPr lang="en-US" altLang="zh-CN" dirty="0" err="1"/>
+              <a:t>init</a:t>
+            </a:r>
+            <a:r>
+              <a:rPr lang="en-US" altLang="zh-CN" dirty="0"/>
+              <a:t> system</a:t>
+            </a:r>
+          </a:p>
+          <a:p>
+            <a:r>
+              <a:rPr lang="en-US" altLang="zh-CN" dirty="0" err="1">
+                <a:hlinkClick r:id="rId14"/>
+              </a:rPr>
+              <a:t>GoogleCloudPlatform</a:t>
+            </a:r>
+            <a:r>
+              <a:rPr lang="en-US" altLang="zh-CN" dirty="0">
+                <a:hlinkClick r:id="rId14"/>
+              </a:rPr>
+              <a:t>/</a:t>
+            </a:r>
+            <a:r>
+              <a:rPr lang="en-US" altLang="zh-CN" dirty="0" err="1">
+                <a:hlinkClick r:id="rId14"/>
+              </a:rPr>
+              <a:t>kubernetes</a:t>
+            </a:r>
+            <a:r>
+              <a:rPr lang="en-US" altLang="zh-CN" dirty="0"/>
+              <a:t> - Container cluster manager.</a:t>
+            </a:r>
+          </a:p>
+          <a:p>
+            <a:r>
+              <a:rPr lang="en-US" altLang="zh-CN" dirty="0" err="1">
+                <a:hlinkClick r:id="rId15"/>
+              </a:rPr>
+              <a:t>mailgun</a:t>
+            </a:r>
+            <a:r>
+              <a:rPr lang="en-US" altLang="zh-CN" dirty="0">
+                <a:hlinkClick r:id="rId15"/>
+              </a:rPr>
+              <a:t>/</a:t>
+            </a:r>
+            <a:r>
+              <a:rPr lang="en-US" altLang="zh-CN" dirty="0" err="1">
+                <a:hlinkClick r:id="rId15"/>
+              </a:rPr>
+              <a:t>vulcand</a:t>
+            </a:r>
+            <a:r>
+              <a:rPr lang="en-US" altLang="zh-CN" dirty="0"/>
+              <a:t> - HTTP proxy that uses </a:t>
+            </a:r>
+            <a:r>
+              <a:rPr lang="en-US" altLang="zh-CN" dirty="0" err="1"/>
+              <a:t>etcd</a:t>
+            </a:r>
+            <a:r>
+              <a:rPr lang="en-US" altLang="zh-CN" dirty="0"/>
+              <a:t> as a configuration backend.</a:t>
+            </a:r>
+          </a:p>
+          <a:p>
+            <a:r>
+              <a:rPr lang="en-US" altLang="zh-CN" dirty="0" err="1">
+                <a:hlinkClick r:id="rId16"/>
+              </a:rPr>
+              <a:t>duedil</a:t>
+            </a:r>
+            <a:r>
+              <a:rPr lang="en-US" altLang="zh-CN" dirty="0">
+                <a:hlinkClick r:id="rId16"/>
+              </a:rPr>
+              <a:t>-ltd/</a:t>
+            </a:r>
+            <a:r>
+              <a:rPr lang="en-US" altLang="zh-CN" dirty="0" err="1">
+                <a:hlinkClick r:id="rId16"/>
+              </a:rPr>
+              <a:t>discodns</a:t>
+            </a:r>
+            <a:r>
+              <a:rPr lang="en-US" altLang="zh-CN" dirty="0"/>
+              <a:t> - Simple DNS </a:t>
+            </a:r>
+            <a:r>
+              <a:rPr lang="en-US" altLang="zh-CN" dirty="0" err="1"/>
+              <a:t>nameserver</a:t>
+            </a:r>
+            <a:r>
+              <a:rPr lang="en-US" altLang="zh-CN" dirty="0"/>
+              <a:t> using </a:t>
+            </a:r>
+            <a:r>
+              <a:rPr lang="en-US" altLang="zh-CN" dirty="0" err="1"/>
+              <a:t>etcd</a:t>
+            </a:r>
+            <a:r>
+              <a:rPr lang="en-US" altLang="zh-CN" dirty="0"/>
+              <a:t> as a database for names and records.</a:t>
+            </a:r>
+          </a:p>
+          <a:p>
+            <a:r>
+              <a:rPr lang="en-US" altLang="zh-CN" dirty="0" err="1">
+                <a:hlinkClick r:id="rId17"/>
+              </a:rPr>
+              <a:t>skynetservices</a:t>
+            </a:r>
+            <a:r>
+              <a:rPr lang="en-US" altLang="zh-CN" dirty="0">
+                <a:hlinkClick r:id="rId17"/>
+              </a:rPr>
+              <a:t>/</a:t>
+            </a:r>
+            <a:r>
+              <a:rPr lang="en-US" altLang="zh-CN" dirty="0" err="1">
+                <a:hlinkClick r:id="rId17"/>
+              </a:rPr>
+              <a:t>skydns</a:t>
+            </a:r>
+            <a:r>
+              <a:rPr lang="en-US" altLang="zh-CN" dirty="0"/>
+              <a:t> - RFC compliant DNS server</a:t>
+            </a:r>
+          </a:p>
+          <a:p>
+            <a:r>
+              <a:rPr lang="en-US" altLang="zh-CN" dirty="0" err="1">
+                <a:hlinkClick r:id="rId18"/>
+              </a:rPr>
+              <a:t>xordataexchange</a:t>
+            </a:r>
+            <a:r>
+              <a:rPr lang="en-US" altLang="zh-CN" dirty="0">
+                <a:hlinkClick r:id="rId18"/>
+              </a:rPr>
+              <a:t>/crypt</a:t>
+            </a:r>
+            <a:r>
+              <a:rPr lang="en-US" altLang="zh-CN" dirty="0"/>
+              <a:t> - Securely store values in </a:t>
+            </a:r>
+            <a:r>
+              <a:rPr lang="en-US" altLang="zh-CN" dirty="0" err="1"/>
+              <a:t>etcd</a:t>
+            </a:r>
+            <a:r>
+              <a:rPr lang="en-US" altLang="zh-CN" dirty="0"/>
+              <a:t> using GPG encryption</a:t>
+            </a:r>
+          </a:p>
+          <a:p>
+            <a:r>
+              <a:rPr lang="en-US" altLang="zh-CN" dirty="0">
+                <a:hlinkClick r:id="rId19"/>
+              </a:rPr>
+              <a:t>spf13/viper</a:t>
+            </a:r>
+            <a:r>
+              <a:rPr lang="en-US" altLang="zh-CN" dirty="0"/>
+              <a:t> - Go configuration library, reads values from ENV, </a:t>
+            </a:r>
+            <a:r>
+              <a:rPr lang="en-US" altLang="zh-CN" dirty="0" err="1"/>
+              <a:t>pflags</a:t>
+            </a:r>
+            <a:r>
+              <a:rPr lang="en-US" altLang="zh-CN" dirty="0"/>
+              <a:t>, files, and </a:t>
+            </a:r>
+            <a:r>
+              <a:rPr lang="en-US" altLang="zh-CN" dirty="0" err="1"/>
+              <a:t>etcd</a:t>
+            </a:r>
+            <a:r>
+              <a:rPr lang="en-US" altLang="zh-CN" dirty="0"/>
+              <a:t> with optional encryption</a:t>
+            </a:r>
+          </a:p>
+          <a:p>
+            <a:r>
+              <a:rPr lang="en-US" altLang="zh-CN" dirty="0" err="1">
+                <a:hlinkClick r:id="rId20"/>
+              </a:rPr>
+              <a:t>lytics</a:t>
+            </a:r>
+            <a:r>
+              <a:rPr lang="en-US" altLang="zh-CN" dirty="0">
+                <a:hlinkClick r:id="rId20"/>
+              </a:rPr>
+              <a:t>/</a:t>
+            </a:r>
+            <a:r>
+              <a:rPr lang="en-US" altLang="zh-CN" dirty="0" err="1">
+                <a:hlinkClick r:id="rId20"/>
+              </a:rPr>
+              <a:t>metafora</a:t>
+            </a:r>
+            <a:r>
+              <a:rPr lang="en-US" altLang="zh-CN" dirty="0"/>
+              <a:t> - Go distributed task library</a:t>
+            </a:r>
+          </a:p>
+          <a:p>
+            <a:endParaRPr lang="zh-CN" altLang="en-US" dirty="0"/>
+          </a:p>
+        </p:txBody>
+      </p:sp>
+    </p:spTree>
+    <p:extLst>
+      <p:ext uri="{BB962C8B-B14F-4D97-AF65-F5344CB8AC3E}">
+        <p14:creationId xmlns:p14="http://schemas.microsoft.com/office/powerpoint/2010/main" val="3860975255"/>
+      </p:ext>
+    </p:extLst>
+  </p:cSld>
+  <p:clrMapOvr>
+    <a:masterClrMapping/>
+  </p:clrMapOvr>
+  <p:timing>
+    <p:tnLst>
+      <p:par>
+        <p:cTn id="1" dur="indefinite" restart="never" nodeType="tmRoot"/>
+      </p:par>
+    </p:tnLst>
+  </p:timing>
+</p:sld>
+</file>
+
+<file path=ppt/slides/slide43.xml><?xml version="1.0" encoding="utf-8"?>
+<p:sld xmlns:a="http://schemas.openxmlformats.org/drawingml/2006/main" xmlns:r="http://schemas.openxmlformats.org/officeDocument/2006/relationships" xmlns:p="http://schemas.openxmlformats.org/presentationml/2006/main">
+  <p:cSld>
+    <p:spTree>
+      <p:nvGrpSpPr>
+        <p:cNvPr id="1" name=""/>
+        <p:cNvGrpSpPr/>
+        <p:nvPr/>
+      </p:nvGrpSpPr>
+      <p:grpSpPr>
+        <a:xfrm>
+          <a:off x="0" y="0"/>
+          <a:ext cx="0" cy="0"/>
+          <a:chOff x="0" y="0"/>
+          <a:chExt cx="0" cy="0"/>
+        </a:xfrm>
+      </p:grpSpPr>
+      <p:sp>
+        <p:nvSpPr>
           <p:cNvPr id="2" name="Title 1"/>
           <p:cNvSpPr>
             <a:spLocks noGrp="1"/>
@@ -15003,7 +15159,7 @@
 </p:sld>
 </file>
 
-<file path=ppt/slides/slide43.xml><?xml version="1.0" encoding="utf-8"?>
+<file path=ppt/slides/slide44.xml><?xml version="1.0" encoding="utf-8"?>
 <p:sld xmlns:a="http://schemas.openxmlformats.org/drawingml/2006/main" xmlns:r="http://schemas.openxmlformats.org/officeDocument/2006/relationships" xmlns:p="http://schemas.openxmlformats.org/presentationml/2006/main">
   <p:cSld>
     <p:spTree>
